--- a/figures/Ex Fig 2.pptx
+++ b/figures/Ex Fig 2.pptx
@@ -5,10 +5,11 @@
     <p:sldMasterId id="2147483696" r:id="rId1"/>
   </p:sldMasterIdLst>
   <p:notesMasterIdLst>
-    <p:notesMasterId r:id="rId3"/>
+    <p:notesMasterId r:id="rId4"/>
   </p:notesMasterIdLst>
   <p:sldIdLst>
-    <p:sldId id="261" r:id="rId2"/>
+    <p:sldId id="262" r:id="rId2"/>
+    <p:sldId id="261" r:id="rId3"/>
   </p:sldIdLst>
   <p:sldSz cx="13320713" cy="8999538"/>
   <p:notesSz cx="6858000" cy="9144000"/>
@@ -197,7 +198,7 @@
           <a:p>
             <a:fld id="{B19977C2-3852-6343-8FB6-75798599EF47}" type="datetimeFigureOut">
               <a:rPr lang="en-US" smtClean="0"/>
-              <a:t>9/5/24</a:t>
+              <a:t>9/12/24</a:t>
             </a:fld>
             <a:endParaRPr lang="en-US"/>
           </a:p>
@@ -469,6 +470,119 @@
   <p:cSld>
     <p:spTree>
       <p:nvGrpSpPr>
+        <p:cNvPr id="1" name="">
+          <a:extLst>
+            <a:ext uri="{FF2B5EF4-FFF2-40B4-BE49-F238E27FC236}">
+              <a16:creationId xmlns:a16="http://schemas.microsoft.com/office/drawing/2014/main" id="{62A8BFAC-F4F9-7A40-0BA7-F8064D203647}"/>
+            </a:ext>
+          </a:extLst>
+        </p:cNvPr>
+        <p:cNvGrpSpPr/>
+        <p:nvPr/>
+      </p:nvGrpSpPr>
+      <p:grpSpPr>
+        <a:xfrm>
+          <a:off x="0" y="0"/>
+          <a:ext cx="0" cy="0"/>
+          <a:chOff x="0" y="0"/>
+          <a:chExt cx="0" cy="0"/>
+        </a:xfrm>
+      </p:grpSpPr>
+      <p:sp>
+        <p:nvSpPr>
+          <p:cNvPr id="2" name="Slide Image Placeholder 1">
+            <a:extLst>
+              <a:ext uri="{FF2B5EF4-FFF2-40B4-BE49-F238E27FC236}">
+                <a16:creationId xmlns:a16="http://schemas.microsoft.com/office/drawing/2014/main" id="{9FC66893-6282-03E4-2D86-60DCBA0D1373}"/>
+              </a:ext>
+            </a:extLst>
+          </p:cNvPr>
+          <p:cNvSpPr>
+            <a:spLocks noGrp="1" noRot="1" noChangeAspect="1"/>
+          </p:cNvSpPr>
+          <p:nvPr>
+            <p:ph type="sldImg"/>
+          </p:nvPr>
+        </p:nvSpPr>
+        <p:spPr>
+          <a:xfrm>
+            <a:off x="1146175" y="1143000"/>
+            <a:ext cx="4565650" cy="3086100"/>
+          </a:xfrm>
+        </p:spPr>
+      </p:sp>
+      <p:sp>
+        <p:nvSpPr>
+          <p:cNvPr id="3" name="Notes Placeholder 2">
+            <a:extLst>
+              <a:ext uri="{FF2B5EF4-FFF2-40B4-BE49-F238E27FC236}">
+                <a16:creationId xmlns:a16="http://schemas.microsoft.com/office/drawing/2014/main" id="{33D36B38-FEED-7DF4-0754-86FBEEF14B5E}"/>
+              </a:ext>
+            </a:extLst>
+          </p:cNvPr>
+          <p:cNvSpPr>
+            <a:spLocks noGrp="1"/>
+          </p:cNvSpPr>
+          <p:nvPr>
+            <p:ph type="body" idx="1"/>
+          </p:nvPr>
+        </p:nvSpPr>
+        <p:spPr/>
+        <p:txBody>
+          <a:bodyPr/>
+          <a:lstStyle/>
+          <a:p>
+            <a:endParaRPr lang="en-US" dirty="0"/>
+          </a:p>
+        </p:txBody>
+      </p:sp>
+      <p:sp>
+        <p:nvSpPr>
+          <p:cNvPr id="4" name="Slide Number Placeholder 3">
+            <a:extLst>
+              <a:ext uri="{FF2B5EF4-FFF2-40B4-BE49-F238E27FC236}">
+                <a16:creationId xmlns:a16="http://schemas.microsoft.com/office/drawing/2014/main" id="{49CC404E-C83C-642F-6130-481B8051DE4A}"/>
+              </a:ext>
+            </a:extLst>
+          </p:cNvPr>
+          <p:cNvSpPr>
+            <a:spLocks noGrp="1"/>
+          </p:cNvSpPr>
+          <p:nvPr>
+            <p:ph type="sldNum" sz="quarter" idx="5"/>
+          </p:nvPr>
+        </p:nvSpPr>
+        <p:spPr/>
+        <p:txBody>
+          <a:bodyPr/>
+          <a:lstStyle/>
+          <a:p>
+            <a:fld id="{2F555F2B-D280-0548-9DA4-50222134F4CC}" type="slidenum">
+              <a:rPr lang="en-US" smtClean="0"/>
+              <a:t>1</a:t>
+            </a:fld>
+            <a:endParaRPr lang="en-US"/>
+          </a:p>
+        </p:txBody>
+      </p:sp>
+    </p:spTree>
+    <p:extLst>
+      <p:ext uri="{BB962C8B-B14F-4D97-AF65-F5344CB8AC3E}">
+        <p14:creationId xmlns:p14="http://schemas.microsoft.com/office/powerpoint/2010/main" val="2638805560"/>
+      </p:ext>
+    </p:extLst>
+  </p:cSld>
+  <p:clrMapOvr>
+    <a:masterClrMapping/>
+  </p:clrMapOvr>
+</p:notes>
+</file>
+
+<file path=ppt/notesSlides/notesSlide2.xml><?xml version="1.0" encoding="utf-8"?>
+<p:notes xmlns:a="http://schemas.openxmlformats.org/drawingml/2006/main" xmlns:r="http://schemas.openxmlformats.org/officeDocument/2006/relationships" xmlns:p="http://schemas.openxmlformats.org/presentationml/2006/main">
+  <p:cSld>
+    <p:spTree>
+      <p:nvGrpSpPr>
         <p:cNvPr id="1" name=""/>
         <p:cNvGrpSpPr/>
         <p:nvPr/>
@@ -534,7 +648,7 @@
           <a:p>
             <a:fld id="{2F555F2B-D280-0548-9DA4-50222134F4CC}" type="slidenum">
               <a:rPr lang="en-US" smtClean="0"/>
-              <a:t>1</a:t>
+              <a:t>2</a:t>
             </a:fld>
             <a:endParaRPr lang="en-US"/>
           </a:p>
@@ -684,7 +798,7 @@
           <a:p>
             <a:fld id="{49D16157-31ED-214D-A6E8-583A2FDE31BF}" type="datetimeFigureOut">
               <a:rPr lang="en-US" smtClean="0"/>
-              <a:t>9/5/24</a:t>
+              <a:t>9/12/24</a:t>
             </a:fld>
             <a:endParaRPr lang="en-US"/>
           </a:p>
@@ -854,7 +968,7 @@
           <a:p>
             <a:fld id="{49D16157-31ED-214D-A6E8-583A2FDE31BF}" type="datetimeFigureOut">
               <a:rPr lang="en-US" smtClean="0"/>
-              <a:t>9/5/24</a:t>
+              <a:t>9/12/24</a:t>
             </a:fld>
             <a:endParaRPr lang="en-US"/>
           </a:p>
@@ -1034,7 +1148,7 @@
           <a:p>
             <a:fld id="{49D16157-31ED-214D-A6E8-583A2FDE31BF}" type="datetimeFigureOut">
               <a:rPr lang="en-US" smtClean="0"/>
-              <a:t>9/5/24</a:t>
+              <a:t>9/12/24</a:t>
             </a:fld>
             <a:endParaRPr lang="en-US"/>
           </a:p>
@@ -1204,7 +1318,7 @@
           <a:p>
             <a:fld id="{49D16157-31ED-214D-A6E8-583A2FDE31BF}" type="datetimeFigureOut">
               <a:rPr lang="en-US" smtClean="0"/>
-              <a:t>9/5/24</a:t>
+              <a:t>9/12/24</a:t>
             </a:fld>
             <a:endParaRPr lang="en-US"/>
           </a:p>
@@ -1450,7 +1564,7 @@
           <a:p>
             <a:fld id="{49D16157-31ED-214D-A6E8-583A2FDE31BF}" type="datetimeFigureOut">
               <a:rPr lang="en-US" smtClean="0"/>
-              <a:t>9/5/24</a:t>
+              <a:t>9/12/24</a:t>
             </a:fld>
             <a:endParaRPr lang="en-US"/>
           </a:p>
@@ -1682,7 +1796,7 @@
           <a:p>
             <a:fld id="{49D16157-31ED-214D-A6E8-583A2FDE31BF}" type="datetimeFigureOut">
               <a:rPr lang="en-US" smtClean="0"/>
-              <a:t>9/5/24</a:t>
+              <a:t>9/12/24</a:t>
             </a:fld>
             <a:endParaRPr lang="en-US"/>
           </a:p>
@@ -2049,7 +2163,7 @@
           <a:p>
             <a:fld id="{49D16157-31ED-214D-A6E8-583A2FDE31BF}" type="datetimeFigureOut">
               <a:rPr lang="en-US" smtClean="0"/>
-              <a:t>9/5/24</a:t>
+              <a:t>9/12/24</a:t>
             </a:fld>
             <a:endParaRPr lang="en-US"/>
           </a:p>
@@ -2167,7 +2281,7 @@
           <a:p>
             <a:fld id="{49D16157-31ED-214D-A6E8-583A2FDE31BF}" type="datetimeFigureOut">
               <a:rPr lang="en-US" smtClean="0"/>
-              <a:t>9/5/24</a:t>
+              <a:t>9/12/24</a:t>
             </a:fld>
             <a:endParaRPr lang="en-US"/>
           </a:p>
@@ -2262,7 +2376,7 @@
           <a:p>
             <a:fld id="{49D16157-31ED-214D-A6E8-583A2FDE31BF}" type="datetimeFigureOut">
               <a:rPr lang="en-US" smtClean="0"/>
-              <a:t>9/5/24</a:t>
+              <a:t>9/12/24</a:t>
             </a:fld>
             <a:endParaRPr lang="en-US"/>
           </a:p>
@@ -2539,7 +2653,7 @@
           <a:p>
             <a:fld id="{49D16157-31ED-214D-A6E8-583A2FDE31BF}" type="datetimeFigureOut">
               <a:rPr lang="en-US" smtClean="0"/>
-              <a:t>9/5/24</a:t>
+              <a:t>9/12/24</a:t>
             </a:fld>
             <a:endParaRPr lang="en-US"/>
           </a:p>
@@ -2796,7 +2910,7 @@
           <a:p>
             <a:fld id="{49D16157-31ED-214D-A6E8-583A2FDE31BF}" type="datetimeFigureOut">
               <a:rPr lang="en-US" smtClean="0"/>
-              <a:t>9/5/24</a:t>
+              <a:t>9/12/24</a:t>
             </a:fld>
             <a:endParaRPr lang="en-US"/>
           </a:p>
@@ -3009,7 +3123,7 @@
           <a:p>
             <a:fld id="{49D16157-31ED-214D-A6E8-583A2FDE31BF}" type="datetimeFigureOut">
               <a:rPr lang="en-US" smtClean="0"/>
-              <a:t>9/5/24</a:t>
+              <a:t>9/12/24</a:t>
             </a:fld>
             <a:endParaRPr lang="en-US"/>
           </a:p>
@@ -3402,6 +3516,2969 @@
   <p:cSld>
     <p:spTree>
       <p:nvGrpSpPr>
+        <p:cNvPr id="1" name="">
+          <a:extLst>
+            <a:ext uri="{FF2B5EF4-FFF2-40B4-BE49-F238E27FC236}">
+              <a16:creationId xmlns:a16="http://schemas.microsoft.com/office/drawing/2014/main" id="{DCAC38FA-AD0F-A761-4040-E2721637F70F}"/>
+            </a:ext>
+          </a:extLst>
+        </p:cNvPr>
+        <p:cNvGrpSpPr/>
+        <p:nvPr/>
+      </p:nvGrpSpPr>
+      <p:grpSpPr>
+        <a:xfrm>
+          <a:off x="0" y="0"/>
+          <a:ext cx="0" cy="0"/>
+          <a:chOff x="0" y="0"/>
+          <a:chExt cx="0" cy="0"/>
+        </a:xfrm>
+      </p:grpSpPr>
+      <p:pic>
+        <p:nvPicPr>
+          <p:cNvPr id="3" name="Picture 2">
+            <a:extLst>
+              <a:ext uri="{FF2B5EF4-FFF2-40B4-BE49-F238E27FC236}">
+                <a16:creationId xmlns:a16="http://schemas.microsoft.com/office/drawing/2014/main" id="{D32EC40D-0173-F3BA-A7EF-6E888E5A6A90}"/>
+              </a:ext>
+            </a:extLst>
+          </p:cNvPr>
+          <p:cNvPicPr>
+            <a:picLocks noChangeAspect="1"/>
+          </p:cNvPicPr>
+          <p:nvPr/>
+        </p:nvPicPr>
+        <p:blipFill>
+          <a:blip r:embed="rId3"/>
+          <a:srcRect/>
+          <a:stretch/>
+        </p:blipFill>
+        <p:spPr>
+          <a:xfrm>
+            <a:off x="3060355" y="1619769"/>
+            <a:ext cx="7200001" cy="2880000"/>
+          </a:xfrm>
+          <a:prstGeom prst="rect">
+            <a:avLst/>
+          </a:prstGeom>
+          <a:ln>
+            <a:noFill/>
+          </a:ln>
+        </p:spPr>
+      </p:pic>
+      <p:sp>
+        <p:nvSpPr>
+          <p:cNvPr id="9" name="TextBox 8">
+            <a:extLst>
+              <a:ext uri="{FF2B5EF4-FFF2-40B4-BE49-F238E27FC236}">
+                <a16:creationId xmlns:a16="http://schemas.microsoft.com/office/drawing/2014/main" id="{F5EB2A45-4984-BCC0-9E4D-6F6B99B8F6AB}"/>
+              </a:ext>
+            </a:extLst>
+          </p:cNvPr>
+          <p:cNvSpPr txBox="1"/>
+          <p:nvPr/>
+        </p:nvSpPr>
+        <p:spPr>
+          <a:xfrm>
+            <a:off x="3286401" y="1496658"/>
+            <a:ext cx="255199" cy="246221"/>
+          </a:xfrm>
+          <a:prstGeom prst="rect">
+            <a:avLst/>
+          </a:prstGeom>
+          <a:noFill/>
+          <a:ln>
+            <a:noFill/>
+          </a:ln>
+        </p:spPr>
+        <p:txBody>
+          <a:bodyPr wrap="none" rtlCol="0">
+            <a:spAutoFit/>
+          </a:bodyPr>
+          <a:lstStyle/>
+          <a:p>
+            <a:pPr algn="ctr"/>
+            <a:r>
+              <a:rPr lang="en-US" sz="1000" b="1" dirty="0">
+                <a:latin typeface="Arial" panose="020B0604020202020204" pitchFamily="34" charset="0"/>
+                <a:cs typeface="Arial" panose="020B0604020202020204" pitchFamily="34" charset="0"/>
+              </a:rPr>
+              <a:t>a</a:t>
+            </a:r>
+          </a:p>
+        </p:txBody>
+      </p:sp>
+      <p:sp>
+        <p:nvSpPr>
+          <p:cNvPr id="4" name="TextBox 3">
+            <a:extLst>
+              <a:ext uri="{FF2B5EF4-FFF2-40B4-BE49-F238E27FC236}">
+                <a16:creationId xmlns:a16="http://schemas.microsoft.com/office/drawing/2014/main" id="{1307BDB7-EAD9-A318-CE41-FC17B71D2DCC}"/>
+              </a:ext>
+            </a:extLst>
+          </p:cNvPr>
+          <p:cNvSpPr txBox="1"/>
+          <p:nvPr/>
+        </p:nvSpPr>
+        <p:spPr>
+          <a:xfrm>
+            <a:off x="4769445" y="1496658"/>
+            <a:ext cx="263214" cy="246221"/>
+          </a:xfrm>
+          <a:prstGeom prst="rect">
+            <a:avLst/>
+          </a:prstGeom>
+          <a:noFill/>
+          <a:ln>
+            <a:noFill/>
+          </a:ln>
+        </p:spPr>
+        <p:txBody>
+          <a:bodyPr wrap="none" rtlCol="0">
+            <a:spAutoFit/>
+          </a:bodyPr>
+          <a:lstStyle/>
+          <a:p>
+            <a:pPr algn="ctr"/>
+            <a:r>
+              <a:rPr lang="en-US" sz="1000" b="1" dirty="0">
+                <a:latin typeface="Arial" panose="020B0604020202020204" pitchFamily="34" charset="0"/>
+                <a:cs typeface="Arial" panose="020B0604020202020204" pitchFamily="34" charset="0"/>
+              </a:rPr>
+              <a:t>b</a:t>
+            </a:r>
+          </a:p>
+        </p:txBody>
+      </p:sp>
+      <p:sp>
+        <p:nvSpPr>
+          <p:cNvPr id="5" name="TextBox 4">
+            <a:extLst>
+              <a:ext uri="{FF2B5EF4-FFF2-40B4-BE49-F238E27FC236}">
+                <a16:creationId xmlns:a16="http://schemas.microsoft.com/office/drawing/2014/main" id="{38BA45E5-4F1B-66B5-37B6-20EEC8149B15}"/>
+              </a:ext>
+            </a:extLst>
+          </p:cNvPr>
+          <p:cNvSpPr txBox="1"/>
+          <p:nvPr/>
+        </p:nvSpPr>
+        <p:spPr>
+          <a:xfrm>
+            <a:off x="2458138" y="4439148"/>
+            <a:ext cx="859531" cy="246221"/>
+          </a:xfrm>
+          <a:prstGeom prst="rect">
+            <a:avLst/>
+          </a:prstGeom>
+          <a:noFill/>
+          <a:ln>
+            <a:noFill/>
+          </a:ln>
+        </p:spPr>
+        <p:txBody>
+          <a:bodyPr wrap="none" rtlCol="0">
+            <a:spAutoFit/>
+          </a:bodyPr>
+          <a:lstStyle/>
+          <a:p>
+            <a:pPr algn="r"/>
+            <a:r>
+              <a:rPr lang="en-US" sz="1000" b="1" dirty="0">
+                <a:latin typeface="Arial" panose="020B0604020202020204" pitchFamily="34" charset="0"/>
+                <a:cs typeface="Arial" panose="020B0604020202020204" pitchFamily="34" charset="0"/>
+              </a:rPr>
+              <a:t>Graph type</a:t>
+            </a:r>
+          </a:p>
+        </p:txBody>
+      </p:sp>
+      <p:sp>
+        <p:nvSpPr>
+          <p:cNvPr id="6" name="TextBox 5">
+            <a:extLst>
+              <a:ext uri="{FF2B5EF4-FFF2-40B4-BE49-F238E27FC236}">
+                <a16:creationId xmlns:a16="http://schemas.microsoft.com/office/drawing/2014/main" id="{AF63BAE3-B807-AF5F-AF19-3F3B64BA160E}"/>
+              </a:ext>
+            </a:extLst>
+          </p:cNvPr>
+          <p:cNvSpPr txBox="1"/>
+          <p:nvPr/>
+        </p:nvSpPr>
+        <p:spPr>
+          <a:xfrm>
+            <a:off x="2557524" y="4683552"/>
+            <a:ext cx="760144" cy="246221"/>
+          </a:xfrm>
+          <a:prstGeom prst="rect">
+            <a:avLst/>
+          </a:prstGeom>
+          <a:noFill/>
+          <a:ln>
+            <a:noFill/>
+          </a:ln>
+        </p:spPr>
+        <p:txBody>
+          <a:bodyPr wrap="none" rtlCol="0">
+            <a:spAutoFit/>
+          </a:bodyPr>
+          <a:lstStyle/>
+          <a:p>
+            <a:pPr algn="r"/>
+            <a:r>
+              <a:rPr lang="en-US" sz="1000" b="1" dirty="0">
+                <a:latin typeface="Arial" panose="020B0604020202020204" pitchFamily="34" charset="0"/>
+                <a:cs typeface="Arial" panose="020B0604020202020204" pitchFamily="34" charset="0"/>
+              </a:rPr>
+              <a:t>Data type</a:t>
+            </a:r>
+          </a:p>
+        </p:txBody>
+      </p:sp>
+      <p:sp>
+        <p:nvSpPr>
+          <p:cNvPr id="8" name="TextBox 7">
+            <a:extLst>
+              <a:ext uri="{FF2B5EF4-FFF2-40B4-BE49-F238E27FC236}">
+                <a16:creationId xmlns:a16="http://schemas.microsoft.com/office/drawing/2014/main" id="{88C33A74-C8C3-10AE-6AEA-B526C94FE0F3}"/>
+              </a:ext>
+            </a:extLst>
+          </p:cNvPr>
+          <p:cNvSpPr txBox="1"/>
+          <p:nvPr/>
+        </p:nvSpPr>
+        <p:spPr>
+          <a:xfrm>
+            <a:off x="2511035" y="4923514"/>
+            <a:ext cx="806632" cy="246221"/>
+          </a:xfrm>
+          <a:prstGeom prst="rect">
+            <a:avLst/>
+          </a:prstGeom>
+          <a:noFill/>
+          <a:ln>
+            <a:noFill/>
+          </a:ln>
+        </p:spPr>
+        <p:txBody>
+          <a:bodyPr wrap="none" rtlCol="0">
+            <a:spAutoFit/>
+          </a:bodyPr>
+          <a:lstStyle/>
+          <a:p>
+            <a:pPr algn="r"/>
+            <a:r>
+              <a:rPr lang="en-US" sz="1000" b="1" dirty="0">
+                <a:latin typeface="Arial" panose="020B0604020202020204" pitchFamily="34" charset="0"/>
+                <a:cs typeface="Arial" panose="020B0604020202020204" pitchFamily="34" charset="0"/>
+              </a:rPr>
+              <a:t>Axis scale</a:t>
+            </a:r>
+          </a:p>
+        </p:txBody>
+      </p:sp>
+      <p:sp>
+        <p:nvSpPr>
+          <p:cNvPr id="12" name="TextBox 11">
+            <a:extLst>
+              <a:ext uri="{FF2B5EF4-FFF2-40B4-BE49-F238E27FC236}">
+                <a16:creationId xmlns:a16="http://schemas.microsoft.com/office/drawing/2014/main" id="{1FA193BB-C69E-E2CE-D6CC-7B1E6E7635A6}"/>
+              </a:ext>
+            </a:extLst>
+          </p:cNvPr>
+          <p:cNvSpPr txBox="1"/>
+          <p:nvPr/>
+        </p:nvSpPr>
+        <p:spPr>
+          <a:xfrm>
+            <a:off x="2515844" y="5175994"/>
+            <a:ext cx="801823" cy="246221"/>
+          </a:xfrm>
+          <a:prstGeom prst="rect">
+            <a:avLst/>
+          </a:prstGeom>
+          <a:noFill/>
+          <a:ln>
+            <a:noFill/>
+          </a:ln>
+        </p:spPr>
+        <p:txBody>
+          <a:bodyPr wrap="none" rtlCol="0">
+            <a:spAutoFit/>
+          </a:bodyPr>
+          <a:lstStyle/>
+          <a:p>
+            <a:pPr algn="r"/>
+            <a:r>
+              <a:rPr lang="en-US" sz="1000" b="1" dirty="0">
+                <a:latin typeface="Arial" panose="020B0604020202020204" pitchFamily="34" charset="0"/>
+                <a:cs typeface="Arial" panose="020B0604020202020204" pitchFamily="34" charset="0"/>
+              </a:rPr>
+              <a:t>Starts at 0</a:t>
+            </a:r>
+          </a:p>
+        </p:txBody>
+      </p:sp>
+      <p:sp>
+        <p:nvSpPr>
+          <p:cNvPr id="13" name="TextBox 12">
+            <a:extLst>
+              <a:ext uri="{FF2B5EF4-FFF2-40B4-BE49-F238E27FC236}">
+                <a16:creationId xmlns:a16="http://schemas.microsoft.com/office/drawing/2014/main" id="{482AF337-39E8-92F2-9B07-21DACC78217B}"/>
+              </a:ext>
+            </a:extLst>
+          </p:cNvPr>
+          <p:cNvSpPr txBox="1"/>
+          <p:nvPr/>
+        </p:nvSpPr>
+        <p:spPr>
+          <a:xfrm>
+            <a:off x="2387604" y="6688766"/>
+            <a:ext cx="930063" cy="246221"/>
+          </a:xfrm>
+          <a:prstGeom prst="rect">
+            <a:avLst/>
+          </a:prstGeom>
+          <a:noFill/>
+          <a:ln>
+            <a:noFill/>
+          </a:ln>
+        </p:spPr>
+        <p:txBody>
+          <a:bodyPr wrap="none" rtlCol="0">
+            <a:spAutoFit/>
+          </a:bodyPr>
+          <a:lstStyle/>
+          <a:p>
+            <a:pPr algn="r"/>
+            <a:r>
+              <a:rPr lang="en-US" sz="1000" b="1" dirty="0">
+                <a:latin typeface="Arial" panose="020B0604020202020204" pitchFamily="34" charset="0"/>
+                <a:cs typeface="Arial" panose="020B0604020202020204" pitchFamily="34" charset="0"/>
+              </a:rPr>
+              <a:t>Correctness</a:t>
+            </a:r>
+          </a:p>
+        </p:txBody>
+      </p:sp>
+      <p:sp>
+        <p:nvSpPr>
+          <p:cNvPr id="14" name="TextBox 13">
+            <a:extLst>
+              <a:ext uri="{FF2B5EF4-FFF2-40B4-BE49-F238E27FC236}">
+                <a16:creationId xmlns:a16="http://schemas.microsoft.com/office/drawing/2014/main" id="{1A9EA372-68D3-6142-5C04-EC5A3B522245}"/>
+              </a:ext>
+            </a:extLst>
+          </p:cNvPr>
+          <p:cNvSpPr txBox="1"/>
+          <p:nvPr/>
+        </p:nvSpPr>
+        <p:spPr>
+          <a:xfrm>
+            <a:off x="2754692" y="5679925"/>
+            <a:ext cx="562975" cy="246221"/>
+          </a:xfrm>
+          <a:prstGeom prst="rect">
+            <a:avLst/>
+          </a:prstGeom>
+          <a:noFill/>
+          <a:ln>
+            <a:noFill/>
+          </a:ln>
+        </p:spPr>
+        <p:txBody>
+          <a:bodyPr wrap="none" rtlCol="0">
+            <a:spAutoFit/>
+          </a:bodyPr>
+          <a:lstStyle/>
+          <a:p>
+            <a:pPr algn="r"/>
+            <a:r>
+              <a:rPr lang="en-US" sz="1000" b="1" dirty="0">
+                <a:latin typeface="Arial" panose="020B0604020202020204" pitchFamily="34" charset="0"/>
+                <a:cs typeface="Arial" panose="020B0604020202020204" pitchFamily="34" charset="0"/>
+              </a:rPr>
+              <a:t>log </a:t>
+            </a:r>
+            <a:r>
+              <a:rPr lang="en-US" sz="1000" b="1" i="1" dirty="0">
+                <a:latin typeface="Arial" panose="020B0604020202020204" pitchFamily="34" charset="0"/>
+                <a:cs typeface="Arial" panose="020B0604020202020204" pitchFamily="34" charset="0"/>
+              </a:rPr>
+              <a:t>L</a:t>
+            </a:r>
+            <a:r>
+              <a:rPr lang="en-US" sz="1000" b="1" i="1" baseline="-25000" dirty="0">
+                <a:latin typeface="Arial" panose="020B0604020202020204" pitchFamily="34" charset="0"/>
+                <a:cs typeface="Arial" panose="020B0604020202020204" pitchFamily="34" charset="0"/>
+              </a:rPr>
+              <a:t>i/j</a:t>
+            </a:r>
+            <a:endParaRPr lang="en-US" sz="1000" b="1" baseline="-25000" dirty="0">
+              <a:latin typeface="Arial" panose="020B0604020202020204" pitchFamily="34" charset="0"/>
+              <a:cs typeface="Arial" panose="020B0604020202020204" pitchFamily="34" charset="0"/>
+            </a:endParaRPr>
+          </a:p>
+        </p:txBody>
+      </p:sp>
+      <p:sp>
+        <p:nvSpPr>
+          <p:cNvPr id="15" name="TextBox 14">
+            <a:extLst>
+              <a:ext uri="{FF2B5EF4-FFF2-40B4-BE49-F238E27FC236}">
+                <a16:creationId xmlns:a16="http://schemas.microsoft.com/office/drawing/2014/main" id="{F1CD9465-F992-C58A-B8F7-AB1B9C99FA08}"/>
+              </a:ext>
+            </a:extLst>
+          </p:cNvPr>
+          <p:cNvSpPr txBox="1"/>
+          <p:nvPr/>
+        </p:nvSpPr>
+        <p:spPr>
+          <a:xfrm>
+            <a:off x="2754693" y="5923463"/>
+            <a:ext cx="562975" cy="246221"/>
+          </a:xfrm>
+          <a:prstGeom prst="rect">
+            <a:avLst/>
+          </a:prstGeom>
+          <a:noFill/>
+          <a:ln>
+            <a:noFill/>
+          </a:ln>
+        </p:spPr>
+        <p:txBody>
+          <a:bodyPr wrap="none" rtlCol="0">
+            <a:spAutoFit/>
+          </a:bodyPr>
+          <a:lstStyle/>
+          <a:p>
+            <a:pPr algn="r"/>
+            <a:r>
+              <a:rPr lang="en-US" sz="1000" b="1" dirty="0">
+                <a:latin typeface="Arial" panose="020B0604020202020204" pitchFamily="34" charset="0"/>
+                <a:cs typeface="Arial" panose="020B0604020202020204" pitchFamily="34" charset="0"/>
+              </a:rPr>
+              <a:t>log </a:t>
+            </a:r>
+            <a:r>
+              <a:rPr lang="en-US" sz="1000" b="1" i="1" dirty="0">
+                <a:latin typeface="Arial" panose="020B0604020202020204" pitchFamily="34" charset="0"/>
+                <a:cs typeface="Arial" panose="020B0604020202020204" pitchFamily="34" charset="0"/>
+              </a:rPr>
+              <a:t>F</a:t>
+            </a:r>
+            <a:r>
+              <a:rPr lang="en-US" sz="1000" b="1" i="1" baseline="-25000" dirty="0">
+                <a:latin typeface="Arial" panose="020B0604020202020204" pitchFamily="34" charset="0"/>
+                <a:cs typeface="Arial" panose="020B0604020202020204" pitchFamily="34" charset="0"/>
+              </a:rPr>
+              <a:t>i/j</a:t>
+            </a:r>
+            <a:endParaRPr lang="en-US" sz="1000" b="1" baseline="-25000" dirty="0">
+              <a:latin typeface="Arial" panose="020B0604020202020204" pitchFamily="34" charset="0"/>
+              <a:cs typeface="Arial" panose="020B0604020202020204" pitchFamily="34" charset="0"/>
+            </a:endParaRPr>
+          </a:p>
+        </p:txBody>
+      </p:sp>
+      <p:sp>
+        <p:nvSpPr>
+          <p:cNvPr id="16" name="TextBox 15">
+            <a:extLst>
+              <a:ext uri="{FF2B5EF4-FFF2-40B4-BE49-F238E27FC236}">
+                <a16:creationId xmlns:a16="http://schemas.microsoft.com/office/drawing/2014/main" id="{492DCF6F-CE93-5A56-B956-1D21DDC849F7}"/>
+              </a:ext>
+            </a:extLst>
+          </p:cNvPr>
+          <p:cNvSpPr txBox="1"/>
+          <p:nvPr/>
+        </p:nvSpPr>
+        <p:spPr>
+          <a:xfrm>
+            <a:off x="2535080" y="6173233"/>
+            <a:ext cx="782587" cy="246221"/>
+          </a:xfrm>
+          <a:prstGeom prst="rect">
+            <a:avLst/>
+          </a:prstGeom>
+          <a:noFill/>
+          <a:ln>
+            <a:noFill/>
+          </a:ln>
+        </p:spPr>
+        <p:txBody>
+          <a:bodyPr wrap="none" rtlCol="0">
+            <a:spAutoFit/>
+          </a:bodyPr>
+          <a:lstStyle/>
+          <a:p>
+            <a:pPr algn="r"/>
+            <a:r>
+              <a:rPr lang="en-US" sz="1000" b="1" dirty="0">
+                <a:latin typeface="Arial" panose="020B0604020202020204" pitchFamily="34" charset="0"/>
+                <a:cs typeface="Arial" panose="020B0604020202020204" pitchFamily="34" charset="0"/>
+              </a:rPr>
+              <a:t>log RCVQ</a:t>
+            </a:r>
+            <a:endParaRPr lang="en-US" sz="1000" b="1" baseline="-25000" dirty="0">
+              <a:latin typeface="Arial" panose="020B0604020202020204" pitchFamily="34" charset="0"/>
+              <a:cs typeface="Arial" panose="020B0604020202020204" pitchFamily="34" charset="0"/>
+            </a:endParaRPr>
+          </a:p>
+        </p:txBody>
+      </p:sp>
+      <p:sp>
+        <p:nvSpPr>
+          <p:cNvPr id="17" name="TextBox 16">
+            <a:extLst>
+              <a:ext uri="{FF2B5EF4-FFF2-40B4-BE49-F238E27FC236}">
+                <a16:creationId xmlns:a16="http://schemas.microsoft.com/office/drawing/2014/main" id="{C1B016E6-8747-1EB6-7EBB-604F94A672DD}"/>
+              </a:ext>
+            </a:extLst>
+          </p:cNvPr>
+          <p:cNvSpPr txBox="1"/>
+          <p:nvPr/>
+        </p:nvSpPr>
+        <p:spPr>
+          <a:xfrm>
+            <a:off x="2527066" y="6419454"/>
+            <a:ext cx="790601" cy="246221"/>
+          </a:xfrm>
+          <a:prstGeom prst="rect">
+            <a:avLst/>
+          </a:prstGeom>
+          <a:noFill/>
+          <a:ln>
+            <a:noFill/>
+          </a:ln>
+        </p:spPr>
+        <p:txBody>
+          <a:bodyPr wrap="none" rtlCol="0">
+            <a:spAutoFit/>
+          </a:bodyPr>
+          <a:lstStyle/>
+          <a:p>
+            <a:pPr algn="r"/>
+            <a:r>
+              <a:rPr lang="en-US" sz="1000" b="1" dirty="0">
+                <a:latin typeface="Arial" panose="020B0604020202020204" pitchFamily="34" charset="0"/>
+                <a:cs typeface="Arial" panose="020B0604020202020204" pitchFamily="34" charset="0"/>
+              </a:rPr>
+              <a:t>log RCVM</a:t>
+            </a:r>
+            <a:endParaRPr lang="en-US" sz="1000" b="1" baseline="-25000" dirty="0">
+              <a:latin typeface="Arial" panose="020B0604020202020204" pitchFamily="34" charset="0"/>
+              <a:cs typeface="Arial" panose="020B0604020202020204" pitchFamily="34" charset="0"/>
+            </a:endParaRPr>
+          </a:p>
+        </p:txBody>
+      </p:sp>
+      <p:sp>
+        <p:nvSpPr>
+          <p:cNvPr id="18" name="TextBox 17">
+            <a:extLst>
+              <a:ext uri="{FF2B5EF4-FFF2-40B4-BE49-F238E27FC236}">
+                <a16:creationId xmlns:a16="http://schemas.microsoft.com/office/drawing/2014/main" id="{6F50D07A-F1EB-6B1E-8ABA-94F9AA32FAB6}"/>
+              </a:ext>
+            </a:extLst>
+          </p:cNvPr>
+          <p:cNvSpPr txBox="1"/>
+          <p:nvPr/>
+        </p:nvSpPr>
+        <p:spPr>
+          <a:xfrm>
+            <a:off x="3541600" y="4439148"/>
+            <a:ext cx="1066863" cy="246221"/>
+          </a:xfrm>
+          <a:prstGeom prst="rect">
+            <a:avLst/>
+          </a:prstGeom>
+          <a:noFill/>
+          <a:ln>
+            <a:noFill/>
+          </a:ln>
+        </p:spPr>
+        <p:txBody>
+          <a:bodyPr wrap="square" rtlCol="0">
+            <a:spAutoFit/>
+          </a:bodyPr>
+          <a:lstStyle/>
+          <a:p>
+            <a:pPr algn="ctr"/>
+            <a:r>
+              <a:rPr lang="en-US" sz="1000" dirty="0">
+                <a:latin typeface="Arial" panose="020B0604020202020204" pitchFamily="34" charset="0"/>
+                <a:cs typeface="Arial" panose="020B0604020202020204" pitchFamily="34" charset="0"/>
+              </a:rPr>
+              <a:t>Bar graph</a:t>
+            </a:r>
+          </a:p>
+        </p:txBody>
+      </p:sp>
+      <p:sp>
+        <p:nvSpPr>
+          <p:cNvPr id="19" name="TextBox 18">
+            <a:extLst>
+              <a:ext uri="{FF2B5EF4-FFF2-40B4-BE49-F238E27FC236}">
+                <a16:creationId xmlns:a16="http://schemas.microsoft.com/office/drawing/2014/main" id="{8E9299E9-6F97-6C2B-9F16-07E13F8344F9}"/>
+              </a:ext>
+            </a:extLst>
+          </p:cNvPr>
+          <p:cNvSpPr txBox="1"/>
+          <p:nvPr/>
+        </p:nvSpPr>
+        <p:spPr>
+          <a:xfrm>
+            <a:off x="4956380" y="4439148"/>
+            <a:ext cx="1066863" cy="246221"/>
+          </a:xfrm>
+          <a:prstGeom prst="rect">
+            <a:avLst/>
+          </a:prstGeom>
+          <a:noFill/>
+          <a:ln>
+            <a:noFill/>
+          </a:ln>
+        </p:spPr>
+        <p:txBody>
+          <a:bodyPr wrap="square" rtlCol="0">
+            <a:spAutoFit/>
+          </a:bodyPr>
+          <a:lstStyle/>
+          <a:p>
+            <a:pPr algn="ctr"/>
+            <a:r>
+              <a:rPr lang="en-US" sz="1000" dirty="0">
+                <a:latin typeface="Arial" panose="020B0604020202020204" pitchFamily="34" charset="0"/>
+                <a:cs typeface="Arial" panose="020B0604020202020204" pitchFamily="34" charset="0"/>
+              </a:rPr>
+              <a:t>Mean-and-error </a:t>
+            </a:r>
+          </a:p>
+        </p:txBody>
+      </p:sp>
+      <p:sp>
+        <p:nvSpPr>
+          <p:cNvPr id="20" name="TextBox 19">
+            <a:extLst>
+              <a:ext uri="{FF2B5EF4-FFF2-40B4-BE49-F238E27FC236}">
+                <a16:creationId xmlns:a16="http://schemas.microsoft.com/office/drawing/2014/main" id="{5C26771C-AC9D-E67E-C35E-9210E23CCBD1}"/>
+              </a:ext>
+            </a:extLst>
+          </p:cNvPr>
+          <p:cNvSpPr txBox="1"/>
+          <p:nvPr/>
+        </p:nvSpPr>
+        <p:spPr>
+          <a:xfrm>
+            <a:off x="3541600" y="4686681"/>
+            <a:ext cx="1066863" cy="246221"/>
+          </a:xfrm>
+          <a:prstGeom prst="rect">
+            <a:avLst/>
+          </a:prstGeom>
+          <a:noFill/>
+          <a:ln>
+            <a:noFill/>
+          </a:ln>
+        </p:spPr>
+        <p:txBody>
+          <a:bodyPr wrap="square" rtlCol="0">
+            <a:spAutoFit/>
+          </a:bodyPr>
+          <a:lstStyle/>
+          <a:p>
+            <a:pPr algn="ctr"/>
+            <a:r>
+              <a:rPr lang="en-US" sz="1000" dirty="0">
+                <a:latin typeface="Arial" panose="020B0604020202020204" pitchFamily="34" charset="0"/>
+                <a:cs typeface="Arial" panose="020B0604020202020204" pitchFamily="34" charset="0"/>
+              </a:rPr>
+              <a:t>Original</a:t>
+            </a:r>
+          </a:p>
+        </p:txBody>
+      </p:sp>
+      <p:sp>
+        <p:nvSpPr>
+          <p:cNvPr id="21" name="TextBox 20">
+            <a:extLst>
+              <a:ext uri="{FF2B5EF4-FFF2-40B4-BE49-F238E27FC236}">
+                <a16:creationId xmlns:a16="http://schemas.microsoft.com/office/drawing/2014/main" id="{3C6FC0D3-D86E-E7EB-F8BB-BCF2D40EF174}"/>
+              </a:ext>
+            </a:extLst>
+          </p:cNvPr>
+          <p:cNvSpPr txBox="1"/>
+          <p:nvPr/>
+        </p:nvSpPr>
+        <p:spPr>
+          <a:xfrm>
+            <a:off x="4956380" y="4686681"/>
+            <a:ext cx="1066863" cy="246221"/>
+          </a:xfrm>
+          <a:prstGeom prst="rect">
+            <a:avLst/>
+          </a:prstGeom>
+          <a:noFill/>
+          <a:ln>
+            <a:noFill/>
+          </a:ln>
+        </p:spPr>
+        <p:txBody>
+          <a:bodyPr wrap="square" rtlCol="0">
+            <a:spAutoFit/>
+          </a:bodyPr>
+          <a:lstStyle/>
+          <a:p>
+            <a:pPr algn="ctr"/>
+            <a:r>
+              <a:rPr lang="en-US" sz="1000" dirty="0">
+                <a:latin typeface="Arial" panose="020B0604020202020204" pitchFamily="34" charset="0"/>
+                <a:cs typeface="Arial" panose="020B0604020202020204" pitchFamily="34" charset="0"/>
+              </a:rPr>
+              <a:t>Original</a:t>
+            </a:r>
+          </a:p>
+        </p:txBody>
+      </p:sp>
+      <p:sp>
+        <p:nvSpPr>
+          <p:cNvPr id="22" name="TextBox 21">
+            <a:extLst>
+              <a:ext uri="{FF2B5EF4-FFF2-40B4-BE49-F238E27FC236}">
+                <a16:creationId xmlns:a16="http://schemas.microsoft.com/office/drawing/2014/main" id="{64D7517C-DE2E-048F-D226-742AC058D8C5}"/>
+              </a:ext>
+            </a:extLst>
+          </p:cNvPr>
+          <p:cNvSpPr txBox="1"/>
+          <p:nvPr/>
+        </p:nvSpPr>
+        <p:spPr>
+          <a:xfrm>
+            <a:off x="3541600" y="4929773"/>
+            <a:ext cx="1066863" cy="246221"/>
+          </a:xfrm>
+          <a:prstGeom prst="rect">
+            <a:avLst/>
+          </a:prstGeom>
+          <a:noFill/>
+          <a:ln>
+            <a:noFill/>
+          </a:ln>
+        </p:spPr>
+        <p:txBody>
+          <a:bodyPr wrap="square" rtlCol="0">
+            <a:spAutoFit/>
+          </a:bodyPr>
+          <a:lstStyle/>
+          <a:p>
+            <a:pPr algn="ctr"/>
+            <a:r>
+              <a:rPr lang="en-US" sz="1000" dirty="0">
+                <a:latin typeface="Arial" panose="020B0604020202020204" pitchFamily="34" charset="0"/>
+                <a:cs typeface="Arial" panose="020B0604020202020204" pitchFamily="34" charset="0"/>
+              </a:rPr>
+              <a:t>Linear</a:t>
+            </a:r>
+          </a:p>
+        </p:txBody>
+      </p:sp>
+      <p:sp>
+        <p:nvSpPr>
+          <p:cNvPr id="23" name="TextBox 22">
+            <a:extLst>
+              <a:ext uri="{FF2B5EF4-FFF2-40B4-BE49-F238E27FC236}">
+                <a16:creationId xmlns:a16="http://schemas.microsoft.com/office/drawing/2014/main" id="{98A8A58A-F61A-FCE9-258E-4E2A8E4F71BC}"/>
+              </a:ext>
+            </a:extLst>
+          </p:cNvPr>
+          <p:cNvSpPr txBox="1"/>
+          <p:nvPr/>
+        </p:nvSpPr>
+        <p:spPr>
+          <a:xfrm>
+            <a:off x="4956380" y="4929773"/>
+            <a:ext cx="1066863" cy="246221"/>
+          </a:xfrm>
+          <a:prstGeom prst="rect">
+            <a:avLst/>
+          </a:prstGeom>
+          <a:noFill/>
+          <a:ln>
+            <a:noFill/>
+          </a:ln>
+        </p:spPr>
+        <p:txBody>
+          <a:bodyPr wrap="square" rtlCol="0">
+            <a:spAutoFit/>
+          </a:bodyPr>
+          <a:lstStyle/>
+          <a:p>
+            <a:pPr algn="ctr"/>
+            <a:r>
+              <a:rPr lang="en-US" sz="1000" dirty="0">
+                <a:latin typeface="Arial" panose="020B0604020202020204" pitchFamily="34" charset="0"/>
+                <a:cs typeface="Arial" panose="020B0604020202020204" pitchFamily="34" charset="0"/>
+              </a:rPr>
+              <a:t>Logarithmic</a:t>
+            </a:r>
+          </a:p>
+        </p:txBody>
+      </p:sp>
+      <p:sp>
+        <p:nvSpPr>
+          <p:cNvPr id="24" name="TextBox 23">
+            <a:extLst>
+              <a:ext uri="{FF2B5EF4-FFF2-40B4-BE49-F238E27FC236}">
+                <a16:creationId xmlns:a16="http://schemas.microsoft.com/office/drawing/2014/main" id="{CA91A408-C998-F467-555F-6AD45EE5C7D9}"/>
+              </a:ext>
+            </a:extLst>
+          </p:cNvPr>
+          <p:cNvSpPr txBox="1"/>
+          <p:nvPr/>
+        </p:nvSpPr>
+        <p:spPr>
+          <a:xfrm>
+            <a:off x="3541600" y="5180596"/>
+            <a:ext cx="1066863" cy="246221"/>
+          </a:xfrm>
+          <a:prstGeom prst="rect">
+            <a:avLst/>
+          </a:prstGeom>
+          <a:noFill/>
+          <a:ln>
+            <a:noFill/>
+          </a:ln>
+        </p:spPr>
+        <p:txBody>
+          <a:bodyPr wrap="square" rtlCol="0">
+            <a:spAutoFit/>
+          </a:bodyPr>
+          <a:lstStyle/>
+          <a:p>
+            <a:pPr algn="ctr"/>
+            <a:r>
+              <a:rPr lang="en-US" sz="1000" dirty="0">
+                <a:solidFill>
+                  <a:srgbClr val="00B050"/>
+                </a:solidFill>
+                <a:latin typeface="Arial" panose="020B0604020202020204" pitchFamily="34" charset="0"/>
+                <a:cs typeface="Arial" panose="020B0604020202020204" pitchFamily="34" charset="0"/>
+              </a:rPr>
+              <a:t>True</a:t>
+            </a:r>
+          </a:p>
+        </p:txBody>
+      </p:sp>
+      <p:sp>
+        <p:nvSpPr>
+          <p:cNvPr id="25" name="TextBox 24">
+            <a:extLst>
+              <a:ext uri="{FF2B5EF4-FFF2-40B4-BE49-F238E27FC236}">
+                <a16:creationId xmlns:a16="http://schemas.microsoft.com/office/drawing/2014/main" id="{2DF35059-FB1E-F67F-77E7-B3EF2774C38B}"/>
+              </a:ext>
+            </a:extLst>
+          </p:cNvPr>
+          <p:cNvSpPr txBox="1"/>
+          <p:nvPr/>
+        </p:nvSpPr>
+        <p:spPr>
+          <a:xfrm>
+            <a:off x="4956380" y="5180596"/>
+            <a:ext cx="1066863" cy="246221"/>
+          </a:xfrm>
+          <a:prstGeom prst="rect">
+            <a:avLst/>
+          </a:prstGeom>
+          <a:noFill/>
+          <a:ln>
+            <a:noFill/>
+          </a:ln>
+        </p:spPr>
+        <p:txBody>
+          <a:bodyPr wrap="square" rtlCol="0">
+            <a:spAutoFit/>
+          </a:bodyPr>
+          <a:lstStyle/>
+          <a:p>
+            <a:pPr algn="ctr"/>
+            <a:r>
+              <a:rPr lang="en-US" sz="1000" dirty="0">
+                <a:latin typeface="Arial" panose="020B0604020202020204" pitchFamily="34" charset="0"/>
+                <a:cs typeface="Arial" panose="020B0604020202020204" pitchFamily="34" charset="0"/>
+              </a:rPr>
+              <a:t>False</a:t>
+            </a:r>
+          </a:p>
+        </p:txBody>
+      </p:sp>
+      <p:sp>
+        <p:nvSpPr>
+          <p:cNvPr id="26" name="TextBox 25">
+            <a:extLst>
+              <a:ext uri="{FF2B5EF4-FFF2-40B4-BE49-F238E27FC236}">
+                <a16:creationId xmlns:a16="http://schemas.microsoft.com/office/drawing/2014/main" id="{995316BB-B974-34B8-D969-EF9886F81158}"/>
+              </a:ext>
+            </a:extLst>
+          </p:cNvPr>
+          <p:cNvSpPr txBox="1"/>
+          <p:nvPr/>
+        </p:nvSpPr>
+        <p:spPr>
+          <a:xfrm>
+            <a:off x="3541600" y="6686268"/>
+            <a:ext cx="1066863" cy="246221"/>
+          </a:xfrm>
+          <a:prstGeom prst="rect">
+            <a:avLst/>
+          </a:prstGeom>
+          <a:solidFill>
+            <a:schemeClr val="bg1">
+              <a:lumMod val="65000"/>
+              <a:alpha val="50196"/>
+            </a:schemeClr>
+          </a:solidFill>
+          <a:ln>
+            <a:noFill/>
+          </a:ln>
+        </p:spPr>
+        <p:txBody>
+          <a:bodyPr wrap="square" rtlCol="0">
+            <a:spAutoFit/>
+          </a:bodyPr>
+          <a:lstStyle/>
+          <a:p>
+            <a:pPr algn="ctr"/>
+            <a:r>
+              <a:rPr lang="en-US" sz="1000" b="1" dirty="0">
+                <a:latin typeface="Arial" panose="020B0604020202020204" pitchFamily="34" charset="0"/>
+                <a:cs typeface="Arial" panose="020B0604020202020204" pitchFamily="34" charset="0"/>
+              </a:rPr>
+              <a:t>Correct</a:t>
+            </a:r>
+          </a:p>
+        </p:txBody>
+      </p:sp>
+      <p:sp>
+        <p:nvSpPr>
+          <p:cNvPr id="27" name="TextBox 26">
+            <a:extLst>
+              <a:ext uri="{FF2B5EF4-FFF2-40B4-BE49-F238E27FC236}">
+                <a16:creationId xmlns:a16="http://schemas.microsoft.com/office/drawing/2014/main" id="{B47BE7A0-1368-1D0E-9858-B96D707BB898}"/>
+              </a:ext>
+            </a:extLst>
+          </p:cNvPr>
+          <p:cNvSpPr txBox="1"/>
+          <p:nvPr/>
+        </p:nvSpPr>
+        <p:spPr>
+          <a:xfrm>
+            <a:off x="4889383" y="6686268"/>
+            <a:ext cx="1196422" cy="246221"/>
+          </a:xfrm>
+          <a:prstGeom prst="rect">
+            <a:avLst/>
+          </a:prstGeom>
+          <a:solidFill>
+            <a:srgbClr val="00B050">
+              <a:alpha val="50196"/>
+            </a:srgbClr>
+          </a:solidFill>
+          <a:ln>
+            <a:noFill/>
+          </a:ln>
+        </p:spPr>
+        <p:txBody>
+          <a:bodyPr wrap="square" rtlCol="0">
+            <a:spAutoFit/>
+          </a:bodyPr>
+          <a:lstStyle/>
+          <a:p>
+            <a:pPr algn="ctr"/>
+            <a:r>
+              <a:rPr lang="en-US" sz="1000" b="1" dirty="0">
+                <a:latin typeface="Arial" panose="020B0604020202020204" pitchFamily="34" charset="0"/>
+                <a:cs typeface="Arial" panose="020B0604020202020204" pitchFamily="34" charset="0"/>
+              </a:rPr>
+              <a:t>Recommended</a:t>
+            </a:r>
+          </a:p>
+        </p:txBody>
+      </p:sp>
+      <p:sp>
+        <p:nvSpPr>
+          <p:cNvPr id="31" name="TextBox 30">
+            <a:extLst>
+              <a:ext uri="{FF2B5EF4-FFF2-40B4-BE49-F238E27FC236}">
+                <a16:creationId xmlns:a16="http://schemas.microsoft.com/office/drawing/2014/main" id="{B849DB4B-07A6-38F8-96BD-92F2B1BD7751}"/>
+              </a:ext>
+            </a:extLst>
+          </p:cNvPr>
+          <p:cNvSpPr txBox="1"/>
+          <p:nvPr/>
+        </p:nvSpPr>
+        <p:spPr>
+          <a:xfrm>
+            <a:off x="3541600" y="5679793"/>
+            <a:ext cx="1066863" cy="246221"/>
+          </a:xfrm>
+          <a:prstGeom prst="rect">
+            <a:avLst/>
+          </a:prstGeom>
+          <a:noFill/>
+          <a:ln>
+            <a:noFill/>
+          </a:ln>
+        </p:spPr>
+        <p:txBody>
+          <a:bodyPr wrap="square" rtlCol="0">
+            <a:spAutoFit/>
+          </a:bodyPr>
+          <a:lstStyle/>
+          <a:p>
+            <a:pPr algn="ctr"/>
+            <a:r>
+              <a:rPr lang="en-US" sz="1000" dirty="0">
+                <a:solidFill>
+                  <a:srgbClr val="00B050"/>
+                </a:solidFill>
+                <a:latin typeface="Arial" panose="020B0604020202020204" pitchFamily="34" charset="0"/>
+                <a:cs typeface="Arial" panose="020B0604020202020204" pitchFamily="34" charset="0"/>
+              </a:rPr>
+              <a:t>0</a:t>
+            </a:r>
+          </a:p>
+        </p:txBody>
+      </p:sp>
+      <p:sp>
+        <p:nvSpPr>
+          <p:cNvPr id="32" name="TextBox 31">
+            <a:extLst>
+              <a:ext uri="{FF2B5EF4-FFF2-40B4-BE49-F238E27FC236}">
+                <a16:creationId xmlns:a16="http://schemas.microsoft.com/office/drawing/2014/main" id="{6D799D49-EE01-35A7-A9E5-234C89EE97B6}"/>
+              </a:ext>
+            </a:extLst>
+          </p:cNvPr>
+          <p:cNvSpPr txBox="1"/>
+          <p:nvPr/>
+        </p:nvSpPr>
+        <p:spPr>
+          <a:xfrm>
+            <a:off x="4956380" y="5679793"/>
+            <a:ext cx="1066863" cy="246221"/>
+          </a:xfrm>
+          <a:prstGeom prst="rect">
+            <a:avLst/>
+          </a:prstGeom>
+          <a:noFill/>
+          <a:ln>
+            <a:noFill/>
+          </a:ln>
+        </p:spPr>
+        <p:txBody>
+          <a:bodyPr wrap="square" rtlCol="0">
+            <a:spAutoFit/>
+          </a:bodyPr>
+          <a:lstStyle/>
+          <a:p>
+            <a:pPr algn="ctr"/>
+            <a:r>
+              <a:rPr lang="en-US" sz="1000" dirty="0">
+                <a:latin typeface="Arial" panose="020B0604020202020204" pitchFamily="34" charset="0"/>
+                <a:cs typeface="Arial" panose="020B0604020202020204" pitchFamily="34" charset="0"/>
+              </a:rPr>
+              <a:t>N/A</a:t>
+            </a:r>
+          </a:p>
+        </p:txBody>
+      </p:sp>
+      <p:sp>
+        <p:nvSpPr>
+          <p:cNvPr id="33" name="TextBox 32">
+            <a:extLst>
+              <a:ext uri="{FF2B5EF4-FFF2-40B4-BE49-F238E27FC236}">
+                <a16:creationId xmlns:a16="http://schemas.microsoft.com/office/drawing/2014/main" id="{F2F46EF3-6111-1EAC-2002-3BED581BAECB}"/>
+              </a:ext>
+            </a:extLst>
+          </p:cNvPr>
+          <p:cNvSpPr txBox="1"/>
+          <p:nvPr/>
+        </p:nvSpPr>
+        <p:spPr>
+          <a:xfrm>
+            <a:off x="3541600" y="5933793"/>
+            <a:ext cx="1066863" cy="246221"/>
+          </a:xfrm>
+          <a:prstGeom prst="rect">
+            <a:avLst/>
+          </a:prstGeom>
+          <a:noFill/>
+          <a:ln>
+            <a:noFill/>
+          </a:ln>
+        </p:spPr>
+        <p:txBody>
+          <a:bodyPr wrap="square" rtlCol="0">
+            <a:spAutoFit/>
+          </a:bodyPr>
+          <a:lstStyle/>
+          <a:p>
+            <a:pPr algn="ctr"/>
+            <a:r>
+              <a:rPr lang="en-US" sz="1000" dirty="0">
+                <a:solidFill>
+                  <a:srgbClr val="00B050"/>
+                </a:solidFill>
+                <a:latin typeface="Arial" panose="020B0604020202020204" pitchFamily="34" charset="0"/>
+                <a:cs typeface="Arial" panose="020B0604020202020204" pitchFamily="34" charset="0"/>
+              </a:rPr>
+              <a:t>0</a:t>
+            </a:r>
+          </a:p>
+        </p:txBody>
+      </p:sp>
+      <p:sp>
+        <p:nvSpPr>
+          <p:cNvPr id="34" name="TextBox 33">
+            <a:extLst>
+              <a:ext uri="{FF2B5EF4-FFF2-40B4-BE49-F238E27FC236}">
+                <a16:creationId xmlns:a16="http://schemas.microsoft.com/office/drawing/2014/main" id="{68C19E20-9420-31BE-A0C9-46F29D570928}"/>
+              </a:ext>
+            </a:extLst>
+          </p:cNvPr>
+          <p:cNvSpPr txBox="1"/>
+          <p:nvPr/>
+        </p:nvSpPr>
+        <p:spPr>
+          <a:xfrm>
+            <a:off x="4956380" y="5933793"/>
+            <a:ext cx="1066863" cy="246221"/>
+          </a:xfrm>
+          <a:prstGeom prst="rect">
+            <a:avLst/>
+          </a:prstGeom>
+          <a:noFill/>
+          <a:ln>
+            <a:noFill/>
+          </a:ln>
+        </p:spPr>
+        <p:txBody>
+          <a:bodyPr wrap="square" rtlCol="0">
+            <a:spAutoFit/>
+          </a:bodyPr>
+          <a:lstStyle/>
+          <a:p>
+            <a:pPr algn="ctr"/>
+            <a:r>
+              <a:rPr lang="en-US" sz="1000" dirty="0">
+                <a:latin typeface="Arial" panose="020B0604020202020204" pitchFamily="34" charset="0"/>
+                <a:cs typeface="Arial" panose="020B0604020202020204" pitchFamily="34" charset="0"/>
+              </a:rPr>
+              <a:t>N/A</a:t>
+            </a:r>
+          </a:p>
+        </p:txBody>
+      </p:sp>
+      <p:sp>
+        <p:nvSpPr>
+          <p:cNvPr id="35" name="TextBox 34">
+            <a:extLst>
+              <a:ext uri="{FF2B5EF4-FFF2-40B4-BE49-F238E27FC236}">
+                <a16:creationId xmlns:a16="http://schemas.microsoft.com/office/drawing/2014/main" id="{A85F0650-3DD4-FE4D-295B-01B146562B6F}"/>
+              </a:ext>
+            </a:extLst>
+          </p:cNvPr>
+          <p:cNvSpPr txBox="1"/>
+          <p:nvPr/>
+        </p:nvSpPr>
+        <p:spPr>
+          <a:xfrm>
+            <a:off x="3541600" y="6178268"/>
+            <a:ext cx="1066863" cy="246221"/>
+          </a:xfrm>
+          <a:prstGeom prst="rect">
+            <a:avLst/>
+          </a:prstGeom>
+          <a:noFill/>
+          <a:ln>
+            <a:noFill/>
+          </a:ln>
+        </p:spPr>
+        <p:txBody>
+          <a:bodyPr wrap="square" rtlCol="0">
+            <a:spAutoFit/>
+          </a:bodyPr>
+          <a:lstStyle/>
+          <a:p>
+            <a:pPr algn="ctr"/>
+            <a:r>
+              <a:rPr lang="en-US" sz="1000" dirty="0" err="1">
+                <a:solidFill>
+                  <a:srgbClr val="00B050"/>
+                </a:solidFill>
+                <a:latin typeface="Arial" panose="020B0604020202020204" pitchFamily="34" charset="0"/>
+                <a:cs typeface="Arial" panose="020B0604020202020204" pitchFamily="34" charset="0"/>
+              </a:rPr>
+              <a:t>NaN</a:t>
+            </a:r>
+            <a:endParaRPr lang="en-US" sz="1000" dirty="0">
+              <a:solidFill>
+                <a:srgbClr val="00B050"/>
+              </a:solidFill>
+              <a:latin typeface="Arial" panose="020B0604020202020204" pitchFamily="34" charset="0"/>
+              <a:cs typeface="Arial" panose="020B0604020202020204" pitchFamily="34" charset="0"/>
+            </a:endParaRPr>
+          </a:p>
+        </p:txBody>
+      </p:sp>
+      <p:sp>
+        <p:nvSpPr>
+          <p:cNvPr id="36" name="TextBox 35">
+            <a:extLst>
+              <a:ext uri="{FF2B5EF4-FFF2-40B4-BE49-F238E27FC236}">
+                <a16:creationId xmlns:a16="http://schemas.microsoft.com/office/drawing/2014/main" id="{AD144081-E02A-D50E-E7EB-41AEAAE33294}"/>
+              </a:ext>
+            </a:extLst>
+          </p:cNvPr>
+          <p:cNvSpPr txBox="1"/>
+          <p:nvPr/>
+        </p:nvSpPr>
+        <p:spPr>
+          <a:xfrm>
+            <a:off x="4956380" y="6178268"/>
+            <a:ext cx="1066863" cy="246221"/>
+          </a:xfrm>
+          <a:prstGeom prst="rect">
+            <a:avLst/>
+          </a:prstGeom>
+          <a:noFill/>
+          <a:ln>
+            <a:noFill/>
+          </a:ln>
+        </p:spPr>
+        <p:txBody>
+          <a:bodyPr wrap="square" rtlCol="0">
+            <a:spAutoFit/>
+          </a:bodyPr>
+          <a:lstStyle/>
+          <a:p>
+            <a:pPr algn="ctr"/>
+            <a:r>
+              <a:rPr lang="en-US" sz="1000" dirty="0">
+                <a:latin typeface="Arial" panose="020B0604020202020204" pitchFamily="34" charset="0"/>
+                <a:cs typeface="Arial" panose="020B0604020202020204" pitchFamily="34" charset="0"/>
+              </a:rPr>
+              <a:t>N/A</a:t>
+            </a:r>
+          </a:p>
+        </p:txBody>
+      </p:sp>
+      <p:sp>
+        <p:nvSpPr>
+          <p:cNvPr id="37" name="TextBox 36">
+            <a:extLst>
+              <a:ext uri="{FF2B5EF4-FFF2-40B4-BE49-F238E27FC236}">
+                <a16:creationId xmlns:a16="http://schemas.microsoft.com/office/drawing/2014/main" id="{278E6EC6-23C3-5CAA-4719-211D61E9028D}"/>
+              </a:ext>
+            </a:extLst>
+          </p:cNvPr>
+          <p:cNvSpPr txBox="1"/>
+          <p:nvPr/>
+        </p:nvSpPr>
+        <p:spPr>
+          <a:xfrm>
+            <a:off x="3541600" y="6432268"/>
+            <a:ext cx="1066863" cy="246221"/>
+          </a:xfrm>
+          <a:prstGeom prst="rect">
+            <a:avLst/>
+          </a:prstGeom>
+          <a:noFill/>
+          <a:ln>
+            <a:noFill/>
+          </a:ln>
+        </p:spPr>
+        <p:txBody>
+          <a:bodyPr wrap="square" rtlCol="0">
+            <a:spAutoFit/>
+          </a:bodyPr>
+          <a:lstStyle/>
+          <a:p>
+            <a:pPr algn="ctr"/>
+            <a:r>
+              <a:rPr lang="en-US" sz="1000" dirty="0" err="1">
+                <a:solidFill>
+                  <a:srgbClr val="00B050"/>
+                </a:solidFill>
+                <a:latin typeface="Arial" panose="020B0604020202020204" pitchFamily="34" charset="0"/>
+                <a:cs typeface="Arial" panose="020B0604020202020204" pitchFamily="34" charset="0"/>
+              </a:rPr>
+              <a:t>NaN</a:t>
+            </a:r>
+            <a:endParaRPr lang="en-US" sz="1000" dirty="0">
+              <a:solidFill>
+                <a:srgbClr val="00B050"/>
+              </a:solidFill>
+              <a:latin typeface="Arial" panose="020B0604020202020204" pitchFamily="34" charset="0"/>
+              <a:cs typeface="Arial" panose="020B0604020202020204" pitchFamily="34" charset="0"/>
+            </a:endParaRPr>
+          </a:p>
+        </p:txBody>
+      </p:sp>
+      <p:sp>
+        <p:nvSpPr>
+          <p:cNvPr id="38" name="TextBox 37">
+            <a:extLst>
+              <a:ext uri="{FF2B5EF4-FFF2-40B4-BE49-F238E27FC236}">
+                <a16:creationId xmlns:a16="http://schemas.microsoft.com/office/drawing/2014/main" id="{6D81CCDD-2270-30AF-6373-6515E5902721}"/>
+              </a:ext>
+            </a:extLst>
+          </p:cNvPr>
+          <p:cNvSpPr txBox="1"/>
+          <p:nvPr/>
+        </p:nvSpPr>
+        <p:spPr>
+          <a:xfrm>
+            <a:off x="4956380" y="6432268"/>
+            <a:ext cx="1066863" cy="246221"/>
+          </a:xfrm>
+          <a:prstGeom prst="rect">
+            <a:avLst/>
+          </a:prstGeom>
+          <a:noFill/>
+          <a:ln>
+            <a:noFill/>
+          </a:ln>
+        </p:spPr>
+        <p:txBody>
+          <a:bodyPr wrap="square" rtlCol="0">
+            <a:spAutoFit/>
+          </a:bodyPr>
+          <a:lstStyle/>
+          <a:p>
+            <a:pPr algn="ctr"/>
+            <a:r>
+              <a:rPr lang="en-US" sz="1000" dirty="0">
+                <a:latin typeface="Arial" panose="020B0604020202020204" pitchFamily="34" charset="0"/>
+                <a:cs typeface="Arial" panose="020B0604020202020204" pitchFamily="34" charset="0"/>
+              </a:rPr>
+              <a:t>N/A</a:t>
+            </a:r>
+          </a:p>
+        </p:txBody>
+      </p:sp>
+      <p:sp>
+        <p:nvSpPr>
+          <p:cNvPr id="7" name="TextBox 6">
+            <a:extLst>
+              <a:ext uri="{FF2B5EF4-FFF2-40B4-BE49-F238E27FC236}">
+                <a16:creationId xmlns:a16="http://schemas.microsoft.com/office/drawing/2014/main" id="{B4276E22-F080-B3ED-C3C6-4B6A0ED80580}"/>
+              </a:ext>
+            </a:extLst>
+          </p:cNvPr>
+          <p:cNvSpPr txBox="1"/>
+          <p:nvPr/>
+        </p:nvSpPr>
+        <p:spPr>
+          <a:xfrm>
+            <a:off x="6366725" y="4439148"/>
+            <a:ext cx="1066863" cy="246221"/>
+          </a:xfrm>
+          <a:prstGeom prst="rect">
+            <a:avLst/>
+          </a:prstGeom>
+          <a:noFill/>
+          <a:ln>
+            <a:noFill/>
+          </a:ln>
+        </p:spPr>
+        <p:txBody>
+          <a:bodyPr wrap="square" rtlCol="0">
+            <a:spAutoFit/>
+          </a:bodyPr>
+          <a:lstStyle/>
+          <a:p>
+            <a:pPr algn="ctr"/>
+            <a:r>
+              <a:rPr lang="en-US" sz="1000" dirty="0">
+                <a:latin typeface="Arial" panose="020B0604020202020204" pitchFamily="34" charset="0"/>
+                <a:cs typeface="Arial" panose="020B0604020202020204" pitchFamily="34" charset="0"/>
+              </a:rPr>
+              <a:t>Bar graph</a:t>
+            </a:r>
+          </a:p>
+        </p:txBody>
+      </p:sp>
+      <p:sp>
+        <p:nvSpPr>
+          <p:cNvPr id="10" name="TextBox 9">
+            <a:extLst>
+              <a:ext uri="{FF2B5EF4-FFF2-40B4-BE49-F238E27FC236}">
+                <a16:creationId xmlns:a16="http://schemas.microsoft.com/office/drawing/2014/main" id="{5E9A5596-57B2-8AA8-83F7-9A768297EBAF}"/>
+              </a:ext>
+            </a:extLst>
+          </p:cNvPr>
+          <p:cNvSpPr txBox="1"/>
+          <p:nvPr/>
+        </p:nvSpPr>
+        <p:spPr>
+          <a:xfrm>
+            <a:off x="6366725" y="4686681"/>
+            <a:ext cx="1066863" cy="246221"/>
+          </a:xfrm>
+          <a:prstGeom prst="rect">
+            <a:avLst/>
+          </a:prstGeom>
+          <a:noFill/>
+          <a:ln>
+            <a:noFill/>
+          </a:ln>
+        </p:spPr>
+        <p:txBody>
+          <a:bodyPr wrap="square" rtlCol="0">
+            <a:spAutoFit/>
+          </a:bodyPr>
+          <a:lstStyle/>
+          <a:p>
+            <a:pPr algn="ctr"/>
+            <a:r>
+              <a:rPr lang="en-US" sz="1000" dirty="0">
+                <a:latin typeface="Arial" panose="020B0604020202020204" pitchFamily="34" charset="0"/>
+                <a:cs typeface="Arial" panose="020B0604020202020204" pitchFamily="34" charset="0"/>
+              </a:rPr>
+              <a:t>Original</a:t>
+            </a:r>
+          </a:p>
+        </p:txBody>
+      </p:sp>
+      <p:sp>
+        <p:nvSpPr>
+          <p:cNvPr id="11" name="TextBox 10">
+            <a:extLst>
+              <a:ext uri="{FF2B5EF4-FFF2-40B4-BE49-F238E27FC236}">
+                <a16:creationId xmlns:a16="http://schemas.microsoft.com/office/drawing/2014/main" id="{C51F0306-8085-CCB3-BB05-99A8FB5EDA9D}"/>
+              </a:ext>
+            </a:extLst>
+          </p:cNvPr>
+          <p:cNvSpPr txBox="1"/>
+          <p:nvPr/>
+        </p:nvSpPr>
+        <p:spPr>
+          <a:xfrm>
+            <a:off x="6366725" y="4929773"/>
+            <a:ext cx="1066863" cy="246221"/>
+          </a:xfrm>
+          <a:prstGeom prst="rect">
+            <a:avLst/>
+          </a:prstGeom>
+          <a:noFill/>
+          <a:ln>
+            <a:noFill/>
+          </a:ln>
+        </p:spPr>
+        <p:txBody>
+          <a:bodyPr wrap="square" rtlCol="0">
+            <a:spAutoFit/>
+          </a:bodyPr>
+          <a:lstStyle/>
+          <a:p>
+            <a:pPr algn="ctr"/>
+            <a:r>
+              <a:rPr lang="en-US" sz="1000" dirty="0">
+                <a:latin typeface="Arial" panose="020B0604020202020204" pitchFamily="34" charset="0"/>
+                <a:cs typeface="Arial" panose="020B0604020202020204" pitchFamily="34" charset="0"/>
+              </a:rPr>
+              <a:t>Logarithmic</a:t>
+            </a:r>
+          </a:p>
+        </p:txBody>
+      </p:sp>
+      <p:sp>
+        <p:nvSpPr>
+          <p:cNvPr id="28" name="TextBox 27">
+            <a:extLst>
+              <a:ext uri="{FF2B5EF4-FFF2-40B4-BE49-F238E27FC236}">
+                <a16:creationId xmlns:a16="http://schemas.microsoft.com/office/drawing/2014/main" id="{EC074A79-6E82-E415-613B-05B9A6FC6EE0}"/>
+              </a:ext>
+            </a:extLst>
+          </p:cNvPr>
+          <p:cNvSpPr txBox="1"/>
+          <p:nvPr/>
+        </p:nvSpPr>
+        <p:spPr>
+          <a:xfrm>
+            <a:off x="6366725" y="5180596"/>
+            <a:ext cx="1066863" cy="246221"/>
+          </a:xfrm>
+          <a:prstGeom prst="rect">
+            <a:avLst/>
+          </a:prstGeom>
+          <a:noFill/>
+          <a:ln>
+            <a:noFill/>
+          </a:ln>
+        </p:spPr>
+        <p:txBody>
+          <a:bodyPr wrap="square" rtlCol="0">
+            <a:spAutoFit/>
+          </a:bodyPr>
+          <a:lstStyle/>
+          <a:p>
+            <a:pPr algn="ctr"/>
+            <a:r>
+              <a:rPr lang="en-US" sz="1000" dirty="0">
+                <a:solidFill>
+                  <a:srgbClr val="B30000"/>
+                </a:solidFill>
+                <a:latin typeface="Arial" panose="020B0604020202020204" pitchFamily="34" charset="0"/>
+                <a:cs typeface="Arial" panose="020B0604020202020204" pitchFamily="34" charset="0"/>
+              </a:rPr>
+              <a:t>False</a:t>
+            </a:r>
+          </a:p>
+        </p:txBody>
+      </p:sp>
+      <p:sp>
+        <p:nvSpPr>
+          <p:cNvPr id="29" name="TextBox 28">
+            <a:extLst>
+              <a:ext uri="{FF2B5EF4-FFF2-40B4-BE49-F238E27FC236}">
+                <a16:creationId xmlns:a16="http://schemas.microsoft.com/office/drawing/2014/main" id="{F30030B9-58F0-D67C-AFB3-DBD4AE97B163}"/>
+              </a:ext>
+            </a:extLst>
+          </p:cNvPr>
+          <p:cNvSpPr txBox="1"/>
+          <p:nvPr/>
+        </p:nvSpPr>
+        <p:spPr>
+          <a:xfrm>
+            <a:off x="6366725" y="6686268"/>
+            <a:ext cx="1066863" cy="246221"/>
+          </a:xfrm>
+          <a:prstGeom prst="rect">
+            <a:avLst/>
+          </a:prstGeom>
+          <a:solidFill>
+            <a:srgbClr val="B30000">
+              <a:alpha val="50196"/>
+            </a:srgbClr>
+          </a:solidFill>
+          <a:ln>
+            <a:noFill/>
+          </a:ln>
+        </p:spPr>
+        <p:txBody>
+          <a:bodyPr wrap="square" rtlCol="0">
+            <a:spAutoFit/>
+          </a:bodyPr>
+          <a:lstStyle/>
+          <a:p>
+            <a:pPr algn="ctr"/>
+            <a:r>
+              <a:rPr lang="en-US" sz="1000" b="1" dirty="0">
+                <a:latin typeface="Arial" panose="020B0604020202020204" pitchFamily="34" charset="0"/>
+                <a:cs typeface="Arial" panose="020B0604020202020204" pitchFamily="34" charset="0"/>
+              </a:rPr>
+              <a:t>Incorrect</a:t>
+            </a:r>
+          </a:p>
+        </p:txBody>
+      </p:sp>
+      <p:sp>
+        <p:nvSpPr>
+          <p:cNvPr id="30" name="TextBox 29">
+            <a:extLst>
+              <a:ext uri="{FF2B5EF4-FFF2-40B4-BE49-F238E27FC236}">
+                <a16:creationId xmlns:a16="http://schemas.microsoft.com/office/drawing/2014/main" id="{A5540454-DE6B-6DC7-DD59-14DCC361B207}"/>
+              </a:ext>
+            </a:extLst>
+          </p:cNvPr>
+          <p:cNvSpPr txBox="1"/>
+          <p:nvPr/>
+        </p:nvSpPr>
+        <p:spPr>
+          <a:xfrm>
+            <a:off x="6366725" y="5679793"/>
+            <a:ext cx="1066863" cy="246221"/>
+          </a:xfrm>
+          <a:prstGeom prst="rect">
+            <a:avLst/>
+          </a:prstGeom>
+          <a:noFill/>
+          <a:ln>
+            <a:noFill/>
+          </a:ln>
+        </p:spPr>
+        <p:txBody>
+          <a:bodyPr wrap="square" rtlCol="0">
+            <a:spAutoFit/>
+          </a:bodyPr>
+          <a:lstStyle/>
+          <a:p>
+            <a:pPr algn="ctr"/>
+            <a:r>
+              <a:rPr lang="en-US" sz="1000" dirty="0">
+                <a:solidFill>
+                  <a:srgbClr val="B30000"/>
+                </a:solidFill>
+                <a:latin typeface="Arial" panose="020B0604020202020204" pitchFamily="34" charset="0"/>
+                <a:cs typeface="Arial" panose="020B0604020202020204" pitchFamily="34" charset="0"/>
+              </a:rPr>
+              <a:t>–1.02</a:t>
+            </a:r>
+          </a:p>
+        </p:txBody>
+      </p:sp>
+      <p:sp>
+        <p:nvSpPr>
+          <p:cNvPr id="39" name="TextBox 38">
+            <a:extLst>
+              <a:ext uri="{FF2B5EF4-FFF2-40B4-BE49-F238E27FC236}">
+                <a16:creationId xmlns:a16="http://schemas.microsoft.com/office/drawing/2014/main" id="{E7226D3F-B2E3-9D71-F5F8-1DC1BD93E24A}"/>
+              </a:ext>
+            </a:extLst>
+          </p:cNvPr>
+          <p:cNvSpPr txBox="1"/>
+          <p:nvPr/>
+        </p:nvSpPr>
+        <p:spPr>
+          <a:xfrm>
+            <a:off x="6366725" y="5933793"/>
+            <a:ext cx="1066863" cy="246221"/>
+          </a:xfrm>
+          <a:prstGeom prst="rect">
+            <a:avLst/>
+          </a:prstGeom>
+          <a:noFill/>
+          <a:ln>
+            <a:noFill/>
+          </a:ln>
+        </p:spPr>
+        <p:txBody>
+          <a:bodyPr wrap="square" rtlCol="0">
+            <a:spAutoFit/>
+          </a:bodyPr>
+          <a:lstStyle/>
+          <a:p>
+            <a:pPr algn="ctr"/>
+            <a:r>
+              <a:rPr lang="en-US" sz="1000" dirty="0">
+                <a:solidFill>
+                  <a:srgbClr val="B30000"/>
+                </a:solidFill>
+                <a:latin typeface="Arial" panose="020B0604020202020204" pitchFamily="34" charset="0"/>
+                <a:cs typeface="Arial" panose="020B0604020202020204" pitchFamily="34" charset="0"/>
+              </a:rPr>
+              <a:t>2.34</a:t>
+            </a:r>
+          </a:p>
+        </p:txBody>
+      </p:sp>
+      <p:sp>
+        <p:nvSpPr>
+          <p:cNvPr id="40" name="TextBox 39">
+            <a:extLst>
+              <a:ext uri="{FF2B5EF4-FFF2-40B4-BE49-F238E27FC236}">
+                <a16:creationId xmlns:a16="http://schemas.microsoft.com/office/drawing/2014/main" id="{ADC12FDC-3325-5833-BA6E-9A7A5F02A366}"/>
+              </a:ext>
+            </a:extLst>
+          </p:cNvPr>
+          <p:cNvSpPr txBox="1"/>
+          <p:nvPr/>
+        </p:nvSpPr>
+        <p:spPr>
+          <a:xfrm>
+            <a:off x="6366725" y="6178268"/>
+            <a:ext cx="1066863" cy="246221"/>
+          </a:xfrm>
+          <a:prstGeom prst="rect">
+            <a:avLst/>
+          </a:prstGeom>
+          <a:noFill/>
+          <a:ln>
+            <a:noFill/>
+          </a:ln>
+        </p:spPr>
+        <p:txBody>
+          <a:bodyPr wrap="square" rtlCol="0">
+            <a:spAutoFit/>
+          </a:bodyPr>
+          <a:lstStyle/>
+          <a:p>
+            <a:pPr algn="ctr"/>
+            <a:r>
+              <a:rPr lang="en-US" sz="1000" dirty="0">
+                <a:solidFill>
+                  <a:srgbClr val="B30000"/>
+                </a:solidFill>
+                <a:latin typeface="Arial" panose="020B0604020202020204" pitchFamily="34" charset="0"/>
+                <a:cs typeface="Arial" panose="020B0604020202020204" pitchFamily="34" charset="0"/>
+              </a:rPr>
+              <a:t>1.10</a:t>
+            </a:r>
+          </a:p>
+        </p:txBody>
+      </p:sp>
+      <p:sp>
+        <p:nvSpPr>
+          <p:cNvPr id="41" name="TextBox 40">
+            <a:extLst>
+              <a:ext uri="{FF2B5EF4-FFF2-40B4-BE49-F238E27FC236}">
+                <a16:creationId xmlns:a16="http://schemas.microsoft.com/office/drawing/2014/main" id="{5AF4D17E-4984-9410-D3A0-7519DE40EA10}"/>
+              </a:ext>
+            </a:extLst>
+          </p:cNvPr>
+          <p:cNvSpPr txBox="1"/>
+          <p:nvPr/>
+        </p:nvSpPr>
+        <p:spPr>
+          <a:xfrm>
+            <a:off x="6366725" y="6432268"/>
+            <a:ext cx="1066863" cy="246221"/>
+          </a:xfrm>
+          <a:prstGeom prst="rect">
+            <a:avLst/>
+          </a:prstGeom>
+          <a:noFill/>
+          <a:ln>
+            <a:noFill/>
+          </a:ln>
+        </p:spPr>
+        <p:txBody>
+          <a:bodyPr wrap="square" rtlCol="0">
+            <a:spAutoFit/>
+          </a:bodyPr>
+          <a:lstStyle/>
+          <a:p>
+            <a:pPr algn="ctr"/>
+            <a:r>
+              <a:rPr lang="en-US" sz="1000" dirty="0">
+                <a:solidFill>
+                  <a:srgbClr val="B30000"/>
+                </a:solidFill>
+                <a:latin typeface="Arial" panose="020B0604020202020204" pitchFamily="34" charset="0"/>
+                <a:cs typeface="Arial" panose="020B0604020202020204" pitchFamily="34" charset="0"/>
+              </a:rPr>
+              <a:t>0.17</a:t>
+            </a:r>
+          </a:p>
+        </p:txBody>
+      </p:sp>
+      <p:sp>
+        <p:nvSpPr>
+          <p:cNvPr id="42" name="TextBox 41">
+            <a:extLst>
+              <a:ext uri="{FF2B5EF4-FFF2-40B4-BE49-F238E27FC236}">
+                <a16:creationId xmlns:a16="http://schemas.microsoft.com/office/drawing/2014/main" id="{4CEB8D2B-7C8E-6199-0A2B-7D4811FFA8F7}"/>
+              </a:ext>
+            </a:extLst>
+          </p:cNvPr>
+          <p:cNvSpPr txBox="1"/>
+          <p:nvPr/>
+        </p:nvSpPr>
+        <p:spPr>
+          <a:xfrm>
+            <a:off x="7777071" y="4439148"/>
+            <a:ext cx="1066863" cy="246221"/>
+          </a:xfrm>
+          <a:prstGeom prst="rect">
+            <a:avLst/>
+          </a:prstGeom>
+          <a:noFill/>
+          <a:ln>
+            <a:noFill/>
+          </a:ln>
+        </p:spPr>
+        <p:txBody>
+          <a:bodyPr wrap="square" rtlCol="0">
+            <a:spAutoFit/>
+          </a:bodyPr>
+          <a:lstStyle/>
+          <a:p>
+            <a:pPr algn="ctr"/>
+            <a:r>
+              <a:rPr lang="en-US" sz="1000" dirty="0">
+                <a:latin typeface="Arial" panose="020B0604020202020204" pitchFamily="34" charset="0"/>
+                <a:cs typeface="Arial" panose="020B0604020202020204" pitchFamily="34" charset="0"/>
+              </a:rPr>
+              <a:t>Bar graph</a:t>
+            </a:r>
+          </a:p>
+        </p:txBody>
+      </p:sp>
+      <p:sp>
+        <p:nvSpPr>
+          <p:cNvPr id="43" name="TextBox 42">
+            <a:extLst>
+              <a:ext uri="{FF2B5EF4-FFF2-40B4-BE49-F238E27FC236}">
+                <a16:creationId xmlns:a16="http://schemas.microsoft.com/office/drawing/2014/main" id="{5937D2CA-ED7D-555F-E04A-E2AAA5BA4BD7}"/>
+              </a:ext>
+            </a:extLst>
+          </p:cNvPr>
+          <p:cNvSpPr txBox="1"/>
+          <p:nvPr/>
+        </p:nvSpPr>
+        <p:spPr>
+          <a:xfrm>
+            <a:off x="7777071" y="4686681"/>
+            <a:ext cx="1066863" cy="246221"/>
+          </a:xfrm>
+          <a:prstGeom prst="rect">
+            <a:avLst/>
+          </a:prstGeom>
+          <a:noFill/>
+          <a:ln>
+            <a:noFill/>
+          </a:ln>
+        </p:spPr>
+        <p:txBody>
+          <a:bodyPr wrap="square" rtlCol="0">
+            <a:spAutoFit/>
+          </a:bodyPr>
+          <a:lstStyle/>
+          <a:p>
+            <a:pPr algn="ctr"/>
+            <a:r>
+              <a:rPr lang="en-US" sz="1000" dirty="0">
+                <a:latin typeface="Arial" panose="020B0604020202020204" pitchFamily="34" charset="0"/>
+                <a:cs typeface="Arial" panose="020B0604020202020204" pitchFamily="34" charset="0"/>
+              </a:rPr>
+              <a:t>Original</a:t>
+            </a:r>
+          </a:p>
+        </p:txBody>
+      </p:sp>
+      <p:sp>
+        <p:nvSpPr>
+          <p:cNvPr id="44" name="TextBox 43">
+            <a:extLst>
+              <a:ext uri="{FF2B5EF4-FFF2-40B4-BE49-F238E27FC236}">
+                <a16:creationId xmlns:a16="http://schemas.microsoft.com/office/drawing/2014/main" id="{AE081182-1768-3260-AD3F-4627DF870568}"/>
+              </a:ext>
+            </a:extLst>
+          </p:cNvPr>
+          <p:cNvSpPr txBox="1"/>
+          <p:nvPr/>
+        </p:nvSpPr>
+        <p:spPr>
+          <a:xfrm>
+            <a:off x="7777071" y="4929773"/>
+            <a:ext cx="1066863" cy="246221"/>
+          </a:xfrm>
+          <a:prstGeom prst="rect">
+            <a:avLst/>
+          </a:prstGeom>
+          <a:noFill/>
+          <a:ln>
+            <a:noFill/>
+          </a:ln>
+        </p:spPr>
+        <p:txBody>
+          <a:bodyPr wrap="square" rtlCol="0">
+            <a:spAutoFit/>
+          </a:bodyPr>
+          <a:lstStyle/>
+          <a:p>
+            <a:pPr algn="ctr"/>
+            <a:r>
+              <a:rPr lang="en-US" sz="1000" dirty="0">
+                <a:latin typeface="Arial" panose="020B0604020202020204" pitchFamily="34" charset="0"/>
+                <a:cs typeface="Arial" panose="020B0604020202020204" pitchFamily="34" charset="0"/>
+              </a:rPr>
+              <a:t>Logarithmic</a:t>
+            </a:r>
+          </a:p>
+        </p:txBody>
+      </p:sp>
+      <p:sp>
+        <p:nvSpPr>
+          <p:cNvPr id="45" name="TextBox 44">
+            <a:extLst>
+              <a:ext uri="{FF2B5EF4-FFF2-40B4-BE49-F238E27FC236}">
+                <a16:creationId xmlns:a16="http://schemas.microsoft.com/office/drawing/2014/main" id="{0AB98924-7416-A407-08DC-2FAE7E5CA8DB}"/>
+              </a:ext>
+            </a:extLst>
+          </p:cNvPr>
+          <p:cNvSpPr txBox="1"/>
+          <p:nvPr/>
+        </p:nvSpPr>
+        <p:spPr>
+          <a:xfrm>
+            <a:off x="7777071" y="5180596"/>
+            <a:ext cx="1066863" cy="246221"/>
+          </a:xfrm>
+          <a:prstGeom prst="rect">
+            <a:avLst/>
+          </a:prstGeom>
+          <a:noFill/>
+          <a:ln>
+            <a:noFill/>
+          </a:ln>
+        </p:spPr>
+        <p:txBody>
+          <a:bodyPr wrap="square" rtlCol="0">
+            <a:spAutoFit/>
+          </a:bodyPr>
+          <a:lstStyle/>
+          <a:p>
+            <a:pPr algn="ctr"/>
+            <a:r>
+              <a:rPr lang="en-US" sz="1000" dirty="0">
+                <a:solidFill>
+                  <a:srgbClr val="B30000"/>
+                </a:solidFill>
+                <a:latin typeface="Arial" panose="020B0604020202020204" pitchFamily="34" charset="0"/>
+                <a:cs typeface="Arial" panose="020B0604020202020204" pitchFamily="34" charset="0"/>
+              </a:rPr>
+              <a:t>False</a:t>
+            </a:r>
+          </a:p>
+        </p:txBody>
+      </p:sp>
+      <p:sp>
+        <p:nvSpPr>
+          <p:cNvPr id="46" name="TextBox 45">
+            <a:extLst>
+              <a:ext uri="{FF2B5EF4-FFF2-40B4-BE49-F238E27FC236}">
+                <a16:creationId xmlns:a16="http://schemas.microsoft.com/office/drawing/2014/main" id="{D6591B23-4A37-F5C5-4157-5C0799661A25}"/>
+              </a:ext>
+            </a:extLst>
+          </p:cNvPr>
+          <p:cNvSpPr txBox="1"/>
+          <p:nvPr/>
+        </p:nvSpPr>
+        <p:spPr>
+          <a:xfrm>
+            <a:off x="7777071" y="6686268"/>
+            <a:ext cx="1066863" cy="246221"/>
+          </a:xfrm>
+          <a:prstGeom prst="rect">
+            <a:avLst/>
+          </a:prstGeom>
+          <a:solidFill>
+            <a:srgbClr val="B30000">
+              <a:alpha val="50196"/>
+            </a:srgbClr>
+          </a:solidFill>
+          <a:ln>
+            <a:noFill/>
+          </a:ln>
+        </p:spPr>
+        <p:txBody>
+          <a:bodyPr wrap="square" rtlCol="0">
+            <a:spAutoFit/>
+          </a:bodyPr>
+          <a:lstStyle/>
+          <a:p>
+            <a:pPr algn="ctr"/>
+            <a:r>
+              <a:rPr lang="en-US" sz="1000" b="1" dirty="0">
+                <a:latin typeface="Arial" panose="020B0604020202020204" pitchFamily="34" charset="0"/>
+                <a:cs typeface="Arial" panose="020B0604020202020204" pitchFamily="34" charset="0"/>
+              </a:rPr>
+              <a:t>Incorrect</a:t>
+            </a:r>
+          </a:p>
+        </p:txBody>
+      </p:sp>
+      <p:sp>
+        <p:nvSpPr>
+          <p:cNvPr id="47" name="TextBox 46">
+            <a:extLst>
+              <a:ext uri="{FF2B5EF4-FFF2-40B4-BE49-F238E27FC236}">
+                <a16:creationId xmlns:a16="http://schemas.microsoft.com/office/drawing/2014/main" id="{A190AA7D-85AE-5A3B-091C-C4D46BF8A9D5}"/>
+              </a:ext>
+            </a:extLst>
+          </p:cNvPr>
+          <p:cNvSpPr txBox="1"/>
+          <p:nvPr/>
+        </p:nvSpPr>
+        <p:spPr>
+          <a:xfrm>
+            <a:off x="7777071" y="5679793"/>
+            <a:ext cx="1066863" cy="246221"/>
+          </a:xfrm>
+          <a:prstGeom prst="rect">
+            <a:avLst/>
+          </a:prstGeom>
+          <a:noFill/>
+          <a:ln>
+            <a:noFill/>
+          </a:ln>
+        </p:spPr>
+        <p:txBody>
+          <a:bodyPr wrap="square" rtlCol="0">
+            <a:spAutoFit/>
+          </a:bodyPr>
+          <a:lstStyle/>
+          <a:p>
+            <a:pPr algn="ctr"/>
+            <a:r>
+              <a:rPr lang="en-US" sz="1000" dirty="0">
+                <a:solidFill>
+                  <a:srgbClr val="B30000"/>
+                </a:solidFill>
+                <a:latin typeface="Arial" panose="020B0604020202020204" pitchFamily="34" charset="0"/>
+                <a:cs typeface="Arial" panose="020B0604020202020204" pitchFamily="34" charset="0"/>
+              </a:rPr>
+              <a:t>–1.32</a:t>
+            </a:r>
+          </a:p>
+        </p:txBody>
+      </p:sp>
+      <p:sp>
+        <p:nvSpPr>
+          <p:cNvPr id="48" name="TextBox 47">
+            <a:extLst>
+              <a:ext uri="{FF2B5EF4-FFF2-40B4-BE49-F238E27FC236}">
+                <a16:creationId xmlns:a16="http://schemas.microsoft.com/office/drawing/2014/main" id="{5C23F870-3A5A-3E25-32CB-41BD075B7E0D}"/>
+              </a:ext>
+            </a:extLst>
+          </p:cNvPr>
+          <p:cNvSpPr txBox="1"/>
+          <p:nvPr/>
+        </p:nvSpPr>
+        <p:spPr>
+          <a:xfrm>
+            <a:off x="7777071" y="5933793"/>
+            <a:ext cx="1066863" cy="246221"/>
+          </a:xfrm>
+          <a:prstGeom prst="rect">
+            <a:avLst/>
+          </a:prstGeom>
+          <a:noFill/>
+          <a:ln>
+            <a:noFill/>
+          </a:ln>
+        </p:spPr>
+        <p:txBody>
+          <a:bodyPr wrap="square" rtlCol="0">
+            <a:spAutoFit/>
+          </a:bodyPr>
+          <a:lstStyle/>
+          <a:p>
+            <a:pPr algn="ctr"/>
+            <a:r>
+              <a:rPr lang="en-US" sz="1000" dirty="0">
+                <a:solidFill>
+                  <a:srgbClr val="B30000"/>
+                </a:solidFill>
+                <a:latin typeface="Arial" panose="020B0604020202020204" pitchFamily="34" charset="0"/>
+                <a:cs typeface="Arial" panose="020B0604020202020204" pitchFamily="34" charset="0"/>
+              </a:rPr>
+              <a:t>2.43</a:t>
+            </a:r>
+          </a:p>
+        </p:txBody>
+      </p:sp>
+      <p:sp>
+        <p:nvSpPr>
+          <p:cNvPr id="49" name="TextBox 48">
+            <a:extLst>
+              <a:ext uri="{FF2B5EF4-FFF2-40B4-BE49-F238E27FC236}">
+                <a16:creationId xmlns:a16="http://schemas.microsoft.com/office/drawing/2014/main" id="{A1DFEB44-B018-BB3D-6C88-FA4D58CA2618}"/>
+              </a:ext>
+            </a:extLst>
+          </p:cNvPr>
+          <p:cNvSpPr txBox="1"/>
+          <p:nvPr/>
+        </p:nvSpPr>
+        <p:spPr>
+          <a:xfrm>
+            <a:off x="7777071" y="6178268"/>
+            <a:ext cx="1066863" cy="246221"/>
+          </a:xfrm>
+          <a:prstGeom prst="rect">
+            <a:avLst/>
+          </a:prstGeom>
+          <a:noFill/>
+          <a:ln>
+            <a:noFill/>
+          </a:ln>
+        </p:spPr>
+        <p:txBody>
+          <a:bodyPr wrap="square" rtlCol="0">
+            <a:spAutoFit/>
+          </a:bodyPr>
+          <a:lstStyle/>
+          <a:p>
+            <a:pPr algn="ctr"/>
+            <a:r>
+              <a:rPr lang="en-US" sz="1000" dirty="0">
+                <a:solidFill>
+                  <a:srgbClr val="B30000"/>
+                </a:solidFill>
+                <a:latin typeface="Arial" panose="020B0604020202020204" pitchFamily="34" charset="0"/>
+                <a:cs typeface="Arial" panose="020B0604020202020204" pitchFamily="34" charset="0"/>
+              </a:rPr>
+              <a:t>1.35</a:t>
+            </a:r>
+          </a:p>
+        </p:txBody>
+      </p:sp>
+      <p:sp>
+        <p:nvSpPr>
+          <p:cNvPr id="50" name="TextBox 49">
+            <a:extLst>
+              <a:ext uri="{FF2B5EF4-FFF2-40B4-BE49-F238E27FC236}">
+                <a16:creationId xmlns:a16="http://schemas.microsoft.com/office/drawing/2014/main" id="{C183715E-0726-3FF9-1E9C-9911D57C52ED}"/>
+              </a:ext>
+            </a:extLst>
+          </p:cNvPr>
+          <p:cNvSpPr txBox="1"/>
+          <p:nvPr/>
+        </p:nvSpPr>
+        <p:spPr>
+          <a:xfrm>
+            <a:off x="7777071" y="6432268"/>
+            <a:ext cx="1066863" cy="246221"/>
+          </a:xfrm>
+          <a:prstGeom prst="rect">
+            <a:avLst/>
+          </a:prstGeom>
+          <a:noFill/>
+          <a:ln>
+            <a:noFill/>
+          </a:ln>
+        </p:spPr>
+        <p:txBody>
+          <a:bodyPr wrap="square" rtlCol="0">
+            <a:spAutoFit/>
+          </a:bodyPr>
+          <a:lstStyle/>
+          <a:p>
+            <a:pPr algn="ctr"/>
+            <a:r>
+              <a:rPr lang="en-US" sz="1000" dirty="0">
+                <a:solidFill>
+                  <a:srgbClr val="B30000"/>
+                </a:solidFill>
+                <a:latin typeface="Arial" panose="020B0604020202020204" pitchFamily="34" charset="0"/>
+                <a:cs typeface="Arial" panose="020B0604020202020204" pitchFamily="34" charset="0"/>
+              </a:rPr>
+              <a:t>0.17</a:t>
+            </a:r>
+          </a:p>
+        </p:txBody>
+      </p:sp>
+      <p:sp>
+        <p:nvSpPr>
+          <p:cNvPr id="61" name="TextBox 60">
+            <a:extLst>
+              <a:ext uri="{FF2B5EF4-FFF2-40B4-BE49-F238E27FC236}">
+                <a16:creationId xmlns:a16="http://schemas.microsoft.com/office/drawing/2014/main" id="{577E7094-5AC3-DF6A-30E0-3E4D084957EE}"/>
+              </a:ext>
+            </a:extLst>
+          </p:cNvPr>
+          <p:cNvSpPr txBox="1"/>
+          <p:nvPr/>
+        </p:nvSpPr>
+        <p:spPr>
+          <a:xfrm>
+            <a:off x="9164169" y="4439148"/>
+            <a:ext cx="1066863" cy="246221"/>
+          </a:xfrm>
+          <a:prstGeom prst="rect">
+            <a:avLst/>
+          </a:prstGeom>
+          <a:noFill/>
+          <a:ln>
+            <a:noFill/>
+          </a:ln>
+        </p:spPr>
+        <p:txBody>
+          <a:bodyPr wrap="square" rtlCol="0">
+            <a:spAutoFit/>
+          </a:bodyPr>
+          <a:lstStyle/>
+          <a:p>
+            <a:pPr algn="ctr"/>
+            <a:r>
+              <a:rPr lang="en-US" sz="1000" dirty="0">
+                <a:latin typeface="Arial" panose="020B0604020202020204" pitchFamily="34" charset="0"/>
+                <a:cs typeface="Arial" panose="020B0604020202020204" pitchFamily="34" charset="0"/>
+              </a:rPr>
+              <a:t>Bar graph</a:t>
+            </a:r>
+          </a:p>
+        </p:txBody>
+      </p:sp>
+      <p:sp>
+        <p:nvSpPr>
+          <p:cNvPr id="62" name="TextBox 61">
+            <a:extLst>
+              <a:ext uri="{FF2B5EF4-FFF2-40B4-BE49-F238E27FC236}">
+                <a16:creationId xmlns:a16="http://schemas.microsoft.com/office/drawing/2014/main" id="{D99734D2-F230-164B-D398-D33700874D0A}"/>
+              </a:ext>
+            </a:extLst>
+          </p:cNvPr>
+          <p:cNvSpPr txBox="1"/>
+          <p:nvPr/>
+        </p:nvSpPr>
+        <p:spPr>
+          <a:xfrm>
+            <a:off x="9120225" y="4686681"/>
+            <a:ext cx="1154750" cy="246221"/>
+          </a:xfrm>
+          <a:prstGeom prst="rect">
+            <a:avLst/>
+          </a:prstGeom>
+          <a:noFill/>
+          <a:ln>
+            <a:noFill/>
+          </a:ln>
+        </p:spPr>
+        <p:txBody>
+          <a:bodyPr wrap="square" rtlCol="0">
+            <a:spAutoFit/>
+          </a:bodyPr>
+          <a:lstStyle/>
+          <a:p>
+            <a:pPr algn="ctr"/>
+            <a:r>
+              <a:rPr lang="en-US" sz="1000" dirty="0">
+                <a:latin typeface="Arial" panose="020B0604020202020204" pitchFamily="34" charset="0"/>
+                <a:cs typeface="Arial" panose="020B0604020202020204" pitchFamily="34" charset="0"/>
+              </a:rPr>
+              <a:t>Log-transformed</a:t>
+            </a:r>
+          </a:p>
+        </p:txBody>
+      </p:sp>
+      <p:sp>
+        <p:nvSpPr>
+          <p:cNvPr id="63" name="TextBox 62">
+            <a:extLst>
+              <a:ext uri="{FF2B5EF4-FFF2-40B4-BE49-F238E27FC236}">
+                <a16:creationId xmlns:a16="http://schemas.microsoft.com/office/drawing/2014/main" id="{E9818EBD-DBA4-7B45-1040-D257E9B6FFBC}"/>
+              </a:ext>
+            </a:extLst>
+          </p:cNvPr>
+          <p:cNvSpPr txBox="1"/>
+          <p:nvPr/>
+        </p:nvSpPr>
+        <p:spPr>
+          <a:xfrm>
+            <a:off x="9164169" y="4929773"/>
+            <a:ext cx="1066863" cy="246221"/>
+          </a:xfrm>
+          <a:prstGeom prst="rect">
+            <a:avLst/>
+          </a:prstGeom>
+          <a:noFill/>
+          <a:ln>
+            <a:noFill/>
+          </a:ln>
+        </p:spPr>
+        <p:txBody>
+          <a:bodyPr wrap="square" rtlCol="0">
+            <a:spAutoFit/>
+          </a:bodyPr>
+          <a:lstStyle/>
+          <a:p>
+            <a:pPr algn="ctr"/>
+            <a:r>
+              <a:rPr lang="en-US" sz="1000" dirty="0">
+                <a:latin typeface="Arial" panose="020B0604020202020204" pitchFamily="34" charset="0"/>
+                <a:cs typeface="Arial" panose="020B0604020202020204" pitchFamily="34" charset="0"/>
+              </a:rPr>
+              <a:t>Linear</a:t>
+            </a:r>
+          </a:p>
+        </p:txBody>
+      </p:sp>
+      <p:sp>
+        <p:nvSpPr>
+          <p:cNvPr id="64" name="TextBox 63">
+            <a:extLst>
+              <a:ext uri="{FF2B5EF4-FFF2-40B4-BE49-F238E27FC236}">
+                <a16:creationId xmlns:a16="http://schemas.microsoft.com/office/drawing/2014/main" id="{788B4E44-2F36-EB2B-7EFF-22FA39194F0A}"/>
+              </a:ext>
+            </a:extLst>
+          </p:cNvPr>
+          <p:cNvSpPr txBox="1"/>
+          <p:nvPr/>
+        </p:nvSpPr>
+        <p:spPr>
+          <a:xfrm>
+            <a:off x="9164169" y="5180596"/>
+            <a:ext cx="1066863" cy="246221"/>
+          </a:xfrm>
+          <a:prstGeom prst="rect">
+            <a:avLst/>
+          </a:prstGeom>
+          <a:noFill/>
+          <a:ln>
+            <a:noFill/>
+          </a:ln>
+        </p:spPr>
+        <p:txBody>
+          <a:bodyPr wrap="square" rtlCol="0">
+            <a:spAutoFit/>
+          </a:bodyPr>
+          <a:lstStyle/>
+          <a:p>
+            <a:pPr algn="ctr"/>
+            <a:r>
+              <a:rPr lang="en-US" sz="1000" dirty="0">
+                <a:solidFill>
+                  <a:srgbClr val="5CB270"/>
+                </a:solidFill>
+                <a:latin typeface="Arial" panose="020B0604020202020204" pitchFamily="34" charset="0"/>
+                <a:cs typeface="Arial" panose="020B0604020202020204" pitchFamily="34" charset="0"/>
+              </a:rPr>
+              <a:t>True</a:t>
+            </a:r>
+          </a:p>
+        </p:txBody>
+      </p:sp>
+      <p:sp>
+        <p:nvSpPr>
+          <p:cNvPr id="65" name="TextBox 64">
+            <a:extLst>
+              <a:ext uri="{FF2B5EF4-FFF2-40B4-BE49-F238E27FC236}">
+                <a16:creationId xmlns:a16="http://schemas.microsoft.com/office/drawing/2014/main" id="{8AC2417E-781C-DE21-2CB0-0CF47EC28266}"/>
+              </a:ext>
+            </a:extLst>
+          </p:cNvPr>
+          <p:cNvSpPr txBox="1"/>
+          <p:nvPr/>
+        </p:nvSpPr>
+        <p:spPr>
+          <a:xfrm>
+            <a:off x="9164169" y="6686268"/>
+            <a:ext cx="1066863" cy="246221"/>
+          </a:xfrm>
+          <a:prstGeom prst="rect">
+            <a:avLst/>
+          </a:prstGeom>
+          <a:solidFill>
+            <a:srgbClr val="B30000">
+              <a:alpha val="50196"/>
+            </a:srgbClr>
+          </a:solidFill>
+          <a:ln>
+            <a:noFill/>
+          </a:ln>
+        </p:spPr>
+        <p:txBody>
+          <a:bodyPr wrap="square" rtlCol="0">
+            <a:spAutoFit/>
+          </a:bodyPr>
+          <a:lstStyle/>
+          <a:p>
+            <a:pPr algn="ctr"/>
+            <a:r>
+              <a:rPr lang="en-US" sz="1000" b="1" dirty="0">
+                <a:latin typeface="Arial" panose="020B0604020202020204" pitchFamily="34" charset="0"/>
+                <a:cs typeface="Arial" panose="020B0604020202020204" pitchFamily="34" charset="0"/>
+              </a:rPr>
+              <a:t>Incorrect</a:t>
+            </a:r>
+          </a:p>
+        </p:txBody>
+      </p:sp>
+      <p:sp>
+        <p:nvSpPr>
+          <p:cNvPr id="66" name="TextBox 65">
+            <a:extLst>
+              <a:ext uri="{FF2B5EF4-FFF2-40B4-BE49-F238E27FC236}">
+                <a16:creationId xmlns:a16="http://schemas.microsoft.com/office/drawing/2014/main" id="{9C735FD8-FFCE-82AB-973E-84698FBED02F}"/>
+              </a:ext>
+            </a:extLst>
+          </p:cNvPr>
+          <p:cNvSpPr txBox="1"/>
+          <p:nvPr/>
+        </p:nvSpPr>
+        <p:spPr>
+          <a:xfrm>
+            <a:off x="9164169" y="5679793"/>
+            <a:ext cx="1066863" cy="246221"/>
+          </a:xfrm>
+          <a:prstGeom prst="rect">
+            <a:avLst/>
+          </a:prstGeom>
+          <a:noFill/>
+          <a:ln>
+            <a:noFill/>
+          </a:ln>
+        </p:spPr>
+        <p:txBody>
+          <a:bodyPr wrap="square" rtlCol="0">
+            <a:spAutoFit/>
+          </a:bodyPr>
+          <a:lstStyle/>
+          <a:p>
+            <a:pPr algn="ctr"/>
+            <a:r>
+              <a:rPr lang="en-US" sz="1000" dirty="0">
+                <a:solidFill>
+                  <a:srgbClr val="5CB270"/>
+                </a:solidFill>
+                <a:latin typeface="Arial" panose="020B0604020202020204" pitchFamily="34" charset="0"/>
+                <a:cs typeface="Arial" panose="020B0604020202020204" pitchFamily="34" charset="0"/>
+              </a:rPr>
+              <a:t>0</a:t>
+            </a:r>
+          </a:p>
+        </p:txBody>
+      </p:sp>
+      <p:sp>
+        <p:nvSpPr>
+          <p:cNvPr id="67" name="TextBox 66">
+            <a:extLst>
+              <a:ext uri="{FF2B5EF4-FFF2-40B4-BE49-F238E27FC236}">
+                <a16:creationId xmlns:a16="http://schemas.microsoft.com/office/drawing/2014/main" id="{69BB073D-DC4E-4F1C-A726-508B8FB86920}"/>
+              </a:ext>
+            </a:extLst>
+          </p:cNvPr>
+          <p:cNvSpPr txBox="1"/>
+          <p:nvPr/>
+        </p:nvSpPr>
+        <p:spPr>
+          <a:xfrm>
+            <a:off x="9164169" y="5933793"/>
+            <a:ext cx="1066863" cy="246221"/>
+          </a:xfrm>
+          <a:prstGeom prst="rect">
+            <a:avLst/>
+          </a:prstGeom>
+          <a:noFill/>
+          <a:ln>
+            <a:noFill/>
+          </a:ln>
+        </p:spPr>
+        <p:txBody>
+          <a:bodyPr wrap="square" rtlCol="0">
+            <a:spAutoFit/>
+          </a:bodyPr>
+          <a:lstStyle/>
+          <a:p>
+            <a:pPr algn="ctr"/>
+            <a:r>
+              <a:rPr lang="en-US" sz="1000" dirty="0">
+                <a:solidFill>
+                  <a:srgbClr val="5CB270"/>
+                </a:solidFill>
+                <a:latin typeface="Arial" panose="020B0604020202020204" pitchFamily="34" charset="0"/>
+                <a:cs typeface="Arial" panose="020B0604020202020204" pitchFamily="34" charset="0"/>
+              </a:rPr>
+              <a:t>0</a:t>
+            </a:r>
+          </a:p>
+        </p:txBody>
+      </p:sp>
+      <p:sp>
+        <p:nvSpPr>
+          <p:cNvPr id="68" name="TextBox 67">
+            <a:extLst>
+              <a:ext uri="{FF2B5EF4-FFF2-40B4-BE49-F238E27FC236}">
+                <a16:creationId xmlns:a16="http://schemas.microsoft.com/office/drawing/2014/main" id="{F053E3AA-DF13-8A93-CA4D-289D4F7B45A0}"/>
+              </a:ext>
+            </a:extLst>
+          </p:cNvPr>
+          <p:cNvSpPr txBox="1"/>
+          <p:nvPr/>
+        </p:nvSpPr>
+        <p:spPr>
+          <a:xfrm>
+            <a:off x="9164169" y="6178268"/>
+            <a:ext cx="1066863" cy="246221"/>
+          </a:xfrm>
+          <a:prstGeom prst="rect">
+            <a:avLst/>
+          </a:prstGeom>
+          <a:noFill/>
+          <a:ln>
+            <a:noFill/>
+          </a:ln>
+        </p:spPr>
+        <p:txBody>
+          <a:bodyPr wrap="square" rtlCol="0">
+            <a:spAutoFit/>
+          </a:bodyPr>
+          <a:lstStyle/>
+          <a:p>
+            <a:pPr algn="ctr"/>
+            <a:r>
+              <a:rPr lang="en-US" sz="1000" dirty="0" err="1">
+                <a:solidFill>
+                  <a:srgbClr val="5CB270"/>
+                </a:solidFill>
+                <a:latin typeface="Arial" panose="020B0604020202020204" pitchFamily="34" charset="0"/>
+                <a:cs typeface="Arial" panose="020B0604020202020204" pitchFamily="34" charset="0"/>
+              </a:rPr>
+              <a:t>NaN</a:t>
+            </a:r>
+            <a:endParaRPr lang="en-US" sz="1000" dirty="0">
+              <a:solidFill>
+                <a:srgbClr val="5CB270"/>
+              </a:solidFill>
+              <a:latin typeface="Arial" panose="020B0604020202020204" pitchFamily="34" charset="0"/>
+              <a:cs typeface="Arial" panose="020B0604020202020204" pitchFamily="34" charset="0"/>
+            </a:endParaRPr>
+          </a:p>
+        </p:txBody>
+      </p:sp>
+      <p:sp>
+        <p:nvSpPr>
+          <p:cNvPr id="69" name="TextBox 68">
+            <a:extLst>
+              <a:ext uri="{FF2B5EF4-FFF2-40B4-BE49-F238E27FC236}">
+                <a16:creationId xmlns:a16="http://schemas.microsoft.com/office/drawing/2014/main" id="{610FC60F-08FC-B276-8040-41DCCB6D647C}"/>
+              </a:ext>
+            </a:extLst>
+          </p:cNvPr>
+          <p:cNvSpPr txBox="1"/>
+          <p:nvPr/>
+        </p:nvSpPr>
+        <p:spPr>
+          <a:xfrm>
+            <a:off x="9164169" y="6432268"/>
+            <a:ext cx="1066863" cy="246221"/>
+          </a:xfrm>
+          <a:prstGeom prst="rect">
+            <a:avLst/>
+          </a:prstGeom>
+          <a:noFill/>
+          <a:ln>
+            <a:noFill/>
+          </a:ln>
+        </p:spPr>
+        <p:txBody>
+          <a:bodyPr wrap="square" rtlCol="0">
+            <a:spAutoFit/>
+          </a:bodyPr>
+          <a:lstStyle/>
+          <a:p>
+            <a:pPr algn="ctr"/>
+            <a:r>
+              <a:rPr lang="en-US" sz="1000" dirty="0" err="1">
+                <a:solidFill>
+                  <a:srgbClr val="5CB270"/>
+                </a:solidFill>
+                <a:latin typeface="Arial" panose="020B0604020202020204" pitchFamily="34" charset="0"/>
+                <a:cs typeface="Arial" panose="020B0604020202020204" pitchFamily="34" charset="0"/>
+              </a:rPr>
+              <a:t>NaN</a:t>
+            </a:r>
+            <a:endParaRPr lang="en-US" sz="1000" dirty="0">
+              <a:solidFill>
+                <a:srgbClr val="5CB270"/>
+              </a:solidFill>
+              <a:latin typeface="Arial" panose="020B0604020202020204" pitchFamily="34" charset="0"/>
+              <a:cs typeface="Arial" panose="020B0604020202020204" pitchFamily="34" charset="0"/>
+            </a:endParaRPr>
+          </a:p>
+        </p:txBody>
+      </p:sp>
+      <p:sp>
+        <p:nvSpPr>
+          <p:cNvPr id="70" name="TextBox 69">
+            <a:extLst>
+              <a:ext uri="{FF2B5EF4-FFF2-40B4-BE49-F238E27FC236}">
+                <a16:creationId xmlns:a16="http://schemas.microsoft.com/office/drawing/2014/main" id="{158B3231-3ECD-C831-9956-63B710B397A3}"/>
+              </a:ext>
+            </a:extLst>
+          </p:cNvPr>
+          <p:cNvSpPr txBox="1"/>
+          <p:nvPr/>
+        </p:nvSpPr>
+        <p:spPr>
+          <a:xfrm>
+            <a:off x="6152802" y="1496658"/>
+            <a:ext cx="255199" cy="246221"/>
+          </a:xfrm>
+          <a:prstGeom prst="rect">
+            <a:avLst/>
+          </a:prstGeom>
+          <a:noFill/>
+          <a:ln>
+            <a:noFill/>
+          </a:ln>
+        </p:spPr>
+        <p:txBody>
+          <a:bodyPr wrap="none" rtlCol="0">
+            <a:spAutoFit/>
+          </a:bodyPr>
+          <a:lstStyle/>
+          <a:p>
+            <a:pPr algn="ctr"/>
+            <a:r>
+              <a:rPr lang="en-US" sz="1000" b="1" dirty="0">
+                <a:latin typeface="Arial" panose="020B0604020202020204" pitchFamily="34" charset="0"/>
+                <a:cs typeface="Arial" panose="020B0604020202020204" pitchFamily="34" charset="0"/>
+              </a:rPr>
+              <a:t>c</a:t>
+            </a:r>
+          </a:p>
+        </p:txBody>
+      </p:sp>
+      <p:sp>
+        <p:nvSpPr>
+          <p:cNvPr id="71" name="TextBox 70">
+            <a:extLst>
+              <a:ext uri="{FF2B5EF4-FFF2-40B4-BE49-F238E27FC236}">
+                <a16:creationId xmlns:a16="http://schemas.microsoft.com/office/drawing/2014/main" id="{9D30750E-027E-8823-4110-FE22D8C8E83B}"/>
+              </a:ext>
+            </a:extLst>
+          </p:cNvPr>
+          <p:cNvSpPr txBox="1"/>
+          <p:nvPr/>
+        </p:nvSpPr>
+        <p:spPr>
+          <a:xfrm>
+            <a:off x="7528144" y="1496658"/>
+            <a:ext cx="263214" cy="246221"/>
+          </a:xfrm>
+          <a:prstGeom prst="rect">
+            <a:avLst/>
+          </a:prstGeom>
+          <a:noFill/>
+          <a:ln>
+            <a:noFill/>
+          </a:ln>
+        </p:spPr>
+        <p:txBody>
+          <a:bodyPr wrap="none" rtlCol="0">
+            <a:spAutoFit/>
+          </a:bodyPr>
+          <a:lstStyle/>
+          <a:p>
+            <a:pPr algn="ctr"/>
+            <a:r>
+              <a:rPr lang="en-US" sz="1000" b="1" dirty="0">
+                <a:latin typeface="Arial" panose="020B0604020202020204" pitchFamily="34" charset="0"/>
+                <a:cs typeface="Arial" panose="020B0604020202020204" pitchFamily="34" charset="0"/>
+              </a:rPr>
+              <a:t>d</a:t>
+            </a:r>
+          </a:p>
+        </p:txBody>
+      </p:sp>
+      <p:sp>
+        <p:nvSpPr>
+          <p:cNvPr id="72" name="TextBox 71">
+            <a:extLst>
+              <a:ext uri="{FF2B5EF4-FFF2-40B4-BE49-F238E27FC236}">
+                <a16:creationId xmlns:a16="http://schemas.microsoft.com/office/drawing/2014/main" id="{D7BBA773-88C8-0F43-D4B3-CD2A08FA009D}"/>
+              </a:ext>
+            </a:extLst>
+          </p:cNvPr>
+          <p:cNvSpPr txBox="1"/>
+          <p:nvPr/>
+        </p:nvSpPr>
+        <p:spPr>
+          <a:xfrm>
+            <a:off x="9004491" y="1496658"/>
+            <a:ext cx="255199" cy="246221"/>
+          </a:xfrm>
+          <a:prstGeom prst="rect">
+            <a:avLst/>
+          </a:prstGeom>
+          <a:noFill/>
+          <a:ln>
+            <a:noFill/>
+          </a:ln>
+        </p:spPr>
+        <p:txBody>
+          <a:bodyPr wrap="none" rtlCol="0">
+            <a:spAutoFit/>
+          </a:bodyPr>
+          <a:lstStyle/>
+          <a:p>
+            <a:pPr algn="ctr"/>
+            <a:r>
+              <a:rPr lang="en-US" sz="1000" b="1" dirty="0">
+                <a:latin typeface="Arial" panose="020B0604020202020204" pitchFamily="34" charset="0"/>
+                <a:cs typeface="Arial" panose="020B0604020202020204" pitchFamily="34" charset="0"/>
+              </a:rPr>
+              <a:t>e</a:t>
+            </a:r>
+          </a:p>
+        </p:txBody>
+      </p:sp>
+      <p:sp>
+        <p:nvSpPr>
+          <p:cNvPr id="51" name="TextBox 50">
+            <a:extLst>
+              <a:ext uri="{FF2B5EF4-FFF2-40B4-BE49-F238E27FC236}">
+                <a16:creationId xmlns:a16="http://schemas.microsoft.com/office/drawing/2014/main" id="{1A78D66C-4800-9F4A-3B53-FBFDFAFC8FA0}"/>
+              </a:ext>
+            </a:extLst>
+          </p:cNvPr>
+          <p:cNvSpPr txBox="1"/>
+          <p:nvPr/>
+        </p:nvSpPr>
+        <p:spPr>
+          <a:xfrm>
+            <a:off x="2309058" y="5424764"/>
+            <a:ext cx="1008609" cy="246221"/>
+          </a:xfrm>
+          <a:prstGeom prst="rect">
+            <a:avLst/>
+          </a:prstGeom>
+          <a:noFill/>
+          <a:ln>
+            <a:noFill/>
+          </a:ln>
+        </p:spPr>
+        <p:txBody>
+          <a:bodyPr wrap="none" rtlCol="0">
+            <a:spAutoFit/>
+          </a:bodyPr>
+          <a:lstStyle/>
+          <a:p>
+            <a:pPr algn="r"/>
+            <a:r>
+              <a:rPr lang="en-US" sz="1000" b="1" dirty="0">
+                <a:latin typeface="Arial" panose="020B0604020202020204" pitchFamily="34" charset="0"/>
+                <a:cs typeface="Arial" panose="020B0604020202020204" pitchFamily="34" charset="0"/>
+              </a:rPr>
+              <a:t>Well-behaved</a:t>
+            </a:r>
+          </a:p>
+        </p:txBody>
+      </p:sp>
+      <p:sp>
+        <p:nvSpPr>
+          <p:cNvPr id="52" name="TextBox 51">
+            <a:extLst>
+              <a:ext uri="{FF2B5EF4-FFF2-40B4-BE49-F238E27FC236}">
+                <a16:creationId xmlns:a16="http://schemas.microsoft.com/office/drawing/2014/main" id="{64B5EBB2-2D60-9A2E-640E-016F79F62D5C}"/>
+              </a:ext>
+            </a:extLst>
+          </p:cNvPr>
+          <p:cNvSpPr txBox="1"/>
+          <p:nvPr/>
+        </p:nvSpPr>
+        <p:spPr>
+          <a:xfrm>
+            <a:off x="3541600" y="5429366"/>
+            <a:ext cx="1066863" cy="246221"/>
+          </a:xfrm>
+          <a:prstGeom prst="rect">
+            <a:avLst/>
+          </a:prstGeom>
+          <a:noFill/>
+          <a:ln>
+            <a:noFill/>
+          </a:ln>
+        </p:spPr>
+        <p:txBody>
+          <a:bodyPr wrap="square" rtlCol="0">
+            <a:spAutoFit/>
+          </a:bodyPr>
+          <a:lstStyle/>
+          <a:p>
+            <a:pPr algn="ctr"/>
+            <a:r>
+              <a:rPr lang="en-US" sz="1000" dirty="0">
+                <a:solidFill>
+                  <a:srgbClr val="00B050"/>
+                </a:solidFill>
+                <a:latin typeface="Arial" panose="020B0604020202020204" pitchFamily="34" charset="0"/>
+                <a:cs typeface="Arial" panose="020B0604020202020204" pitchFamily="34" charset="0"/>
+              </a:rPr>
+              <a:t>True</a:t>
+            </a:r>
+          </a:p>
+        </p:txBody>
+      </p:sp>
+      <p:sp>
+        <p:nvSpPr>
+          <p:cNvPr id="53" name="TextBox 52">
+            <a:extLst>
+              <a:ext uri="{FF2B5EF4-FFF2-40B4-BE49-F238E27FC236}">
+                <a16:creationId xmlns:a16="http://schemas.microsoft.com/office/drawing/2014/main" id="{5D78FC88-C36E-5D91-7F76-3C5E45126320}"/>
+              </a:ext>
+            </a:extLst>
+          </p:cNvPr>
+          <p:cNvSpPr txBox="1"/>
+          <p:nvPr/>
+        </p:nvSpPr>
+        <p:spPr>
+          <a:xfrm>
+            <a:off x="4956380" y="5429366"/>
+            <a:ext cx="1066863" cy="246221"/>
+          </a:xfrm>
+          <a:prstGeom prst="rect">
+            <a:avLst/>
+          </a:prstGeom>
+          <a:noFill/>
+          <a:ln>
+            <a:noFill/>
+          </a:ln>
+        </p:spPr>
+        <p:txBody>
+          <a:bodyPr wrap="square" rtlCol="0">
+            <a:spAutoFit/>
+          </a:bodyPr>
+          <a:lstStyle/>
+          <a:p>
+            <a:pPr algn="ctr"/>
+            <a:r>
+              <a:rPr lang="en-US" sz="1000" dirty="0">
+                <a:latin typeface="Arial" panose="020B0604020202020204" pitchFamily="34" charset="0"/>
+                <a:cs typeface="Arial" panose="020B0604020202020204" pitchFamily="34" charset="0"/>
+              </a:rPr>
+              <a:t>N/A</a:t>
+            </a:r>
+          </a:p>
+        </p:txBody>
+      </p:sp>
+      <p:sp>
+        <p:nvSpPr>
+          <p:cNvPr id="54" name="TextBox 53">
+            <a:extLst>
+              <a:ext uri="{FF2B5EF4-FFF2-40B4-BE49-F238E27FC236}">
+                <a16:creationId xmlns:a16="http://schemas.microsoft.com/office/drawing/2014/main" id="{35AFD860-0EC9-8F35-FC26-F2C9B1931739}"/>
+              </a:ext>
+            </a:extLst>
+          </p:cNvPr>
+          <p:cNvSpPr txBox="1"/>
+          <p:nvPr/>
+        </p:nvSpPr>
+        <p:spPr>
+          <a:xfrm>
+            <a:off x="6366725" y="5429366"/>
+            <a:ext cx="1066863" cy="246221"/>
+          </a:xfrm>
+          <a:prstGeom prst="rect">
+            <a:avLst/>
+          </a:prstGeom>
+          <a:noFill/>
+          <a:ln>
+            <a:noFill/>
+          </a:ln>
+        </p:spPr>
+        <p:txBody>
+          <a:bodyPr wrap="square" rtlCol="0">
+            <a:spAutoFit/>
+          </a:bodyPr>
+          <a:lstStyle/>
+          <a:p>
+            <a:pPr algn="ctr"/>
+            <a:r>
+              <a:rPr lang="en-US" sz="1000" dirty="0">
+                <a:solidFill>
+                  <a:srgbClr val="5CB270"/>
+                </a:solidFill>
+                <a:latin typeface="Arial" panose="020B0604020202020204" pitchFamily="34" charset="0"/>
+                <a:cs typeface="Arial" panose="020B0604020202020204" pitchFamily="34" charset="0"/>
+              </a:rPr>
+              <a:t>True</a:t>
+            </a:r>
+          </a:p>
+        </p:txBody>
+      </p:sp>
+      <p:sp>
+        <p:nvSpPr>
+          <p:cNvPr id="55" name="TextBox 54">
+            <a:extLst>
+              <a:ext uri="{FF2B5EF4-FFF2-40B4-BE49-F238E27FC236}">
+                <a16:creationId xmlns:a16="http://schemas.microsoft.com/office/drawing/2014/main" id="{831413E7-15A1-6B2D-F35C-FC04644CA639}"/>
+              </a:ext>
+            </a:extLst>
+          </p:cNvPr>
+          <p:cNvSpPr txBox="1"/>
+          <p:nvPr/>
+        </p:nvSpPr>
+        <p:spPr>
+          <a:xfrm>
+            <a:off x="7777071" y="5429366"/>
+            <a:ext cx="1066863" cy="246221"/>
+          </a:xfrm>
+          <a:prstGeom prst="rect">
+            <a:avLst/>
+          </a:prstGeom>
+          <a:noFill/>
+          <a:ln>
+            <a:noFill/>
+          </a:ln>
+        </p:spPr>
+        <p:txBody>
+          <a:bodyPr wrap="square" rtlCol="0">
+            <a:spAutoFit/>
+          </a:bodyPr>
+          <a:lstStyle/>
+          <a:p>
+            <a:pPr algn="ctr"/>
+            <a:r>
+              <a:rPr lang="en-US" sz="1000" dirty="0">
+                <a:solidFill>
+                  <a:srgbClr val="5CB270"/>
+                </a:solidFill>
+                <a:latin typeface="Arial" panose="020B0604020202020204" pitchFamily="34" charset="0"/>
+                <a:cs typeface="Arial" panose="020B0604020202020204" pitchFamily="34" charset="0"/>
+              </a:rPr>
+              <a:t>True</a:t>
+            </a:r>
+          </a:p>
+        </p:txBody>
+      </p:sp>
+      <p:sp>
+        <p:nvSpPr>
+          <p:cNvPr id="56" name="TextBox 55">
+            <a:extLst>
+              <a:ext uri="{FF2B5EF4-FFF2-40B4-BE49-F238E27FC236}">
+                <a16:creationId xmlns:a16="http://schemas.microsoft.com/office/drawing/2014/main" id="{FE03D9B0-71FD-176A-4D82-2236D73C065B}"/>
+              </a:ext>
+            </a:extLst>
+          </p:cNvPr>
+          <p:cNvSpPr txBox="1"/>
+          <p:nvPr/>
+        </p:nvSpPr>
+        <p:spPr>
+          <a:xfrm>
+            <a:off x="9164169" y="5429366"/>
+            <a:ext cx="1066863" cy="246221"/>
+          </a:xfrm>
+          <a:prstGeom prst="rect">
+            <a:avLst/>
+          </a:prstGeom>
+          <a:noFill/>
+          <a:ln>
+            <a:noFill/>
+          </a:ln>
+        </p:spPr>
+        <p:txBody>
+          <a:bodyPr wrap="square" rtlCol="0">
+            <a:spAutoFit/>
+          </a:bodyPr>
+          <a:lstStyle/>
+          <a:p>
+            <a:pPr algn="ctr"/>
+            <a:r>
+              <a:rPr lang="en-US" sz="1000" dirty="0">
+                <a:solidFill>
+                  <a:srgbClr val="B30000"/>
+                </a:solidFill>
+                <a:latin typeface="Arial" panose="020B0604020202020204" pitchFamily="34" charset="0"/>
+                <a:cs typeface="Arial" panose="020B0604020202020204" pitchFamily="34" charset="0"/>
+              </a:rPr>
+              <a:t>False</a:t>
+            </a:r>
+          </a:p>
+        </p:txBody>
+      </p:sp>
+    </p:spTree>
+    <p:extLst>
+      <p:ext uri="{BB962C8B-B14F-4D97-AF65-F5344CB8AC3E}">
+        <p14:creationId xmlns:p14="http://schemas.microsoft.com/office/powerpoint/2010/main" val="232931241"/>
+      </p:ext>
+    </p:extLst>
+  </p:cSld>
+  <p:clrMapOvr>
+    <a:masterClrMapping/>
+  </p:clrMapOvr>
+</p:sld>
+</file>
+
+<file path=ppt/slides/slide2.xml><?xml version="1.0" encoding="utf-8"?>
+<p:sld xmlns:a="http://schemas.openxmlformats.org/drawingml/2006/main" xmlns:r="http://schemas.openxmlformats.org/officeDocument/2006/relationships" xmlns:p="http://schemas.openxmlformats.org/presentationml/2006/main">
+  <p:cSld>
+    <p:spTree>
+      <p:nvGrpSpPr>
         <p:cNvPr id="1" name=""/>
         <p:cNvGrpSpPr/>
         <p:nvPr/>
@@ -3754,8 +6831,8 @@
         </p:nvSpPr>
         <p:spPr>
           <a:xfrm>
-            <a:off x="2706602" y="5925829"/>
-            <a:ext cx="611065" cy="246221"/>
+            <a:off x="2754692" y="5925829"/>
+            <a:ext cx="562975" cy="246221"/>
           </a:xfrm>
           <a:prstGeom prst="rect">
             <a:avLst/>
@@ -3787,12 +6864,16 @@
               <a:t>L</a:t>
             </a:r>
             <a:r>
-              <a:rPr lang="en-US" sz="1000" b="1" baseline="-25000" dirty="0">
-                <a:latin typeface="Arial" panose="020B0604020202020204" pitchFamily="34" charset="0"/>
-                <a:cs typeface="Arial" panose="020B0604020202020204" pitchFamily="34" charset="0"/>
-              </a:rPr>
-              <a:t>1/2</a:t>
-            </a:r>
+              <a:rPr lang="en-US" sz="1000" b="1" i="1" baseline="-25000" dirty="0">
+                <a:latin typeface="Arial" panose="020B0604020202020204" pitchFamily="34" charset="0"/>
+                <a:cs typeface="Arial" panose="020B0604020202020204" pitchFamily="34" charset="0"/>
+              </a:rPr>
+              <a:t>i/j</a:t>
+            </a:r>
+            <a:endParaRPr lang="en-US" sz="1000" b="1" baseline="-25000" dirty="0">
+              <a:latin typeface="Arial" panose="020B0604020202020204" pitchFamily="34" charset="0"/>
+              <a:cs typeface="Arial" panose="020B0604020202020204" pitchFamily="34" charset="0"/>
+            </a:endParaRPr>
           </a:p>
         </p:txBody>
       </p:sp>
@@ -3810,8 +6891,8 @@
         </p:nvSpPr>
         <p:spPr>
           <a:xfrm>
-            <a:off x="2706602" y="6169367"/>
-            <a:ext cx="611066" cy="246221"/>
+            <a:off x="2754693" y="6169367"/>
+            <a:ext cx="562975" cy="246221"/>
           </a:xfrm>
           <a:prstGeom prst="rect">
             <a:avLst/>
@@ -3843,12 +6924,16 @@
               <a:t>F</a:t>
             </a:r>
             <a:r>
-              <a:rPr lang="en-US" sz="1000" b="1" baseline="-25000" dirty="0">
-                <a:latin typeface="Arial" panose="020B0604020202020204" pitchFamily="34" charset="0"/>
-                <a:cs typeface="Arial" panose="020B0604020202020204" pitchFamily="34" charset="0"/>
-              </a:rPr>
-              <a:t>1/2</a:t>
-            </a:r>
+              <a:rPr lang="en-US" sz="1000" b="1" i="1" baseline="-25000" dirty="0">
+                <a:latin typeface="Arial" panose="020B0604020202020204" pitchFamily="34" charset="0"/>
+                <a:cs typeface="Arial" panose="020B0604020202020204" pitchFamily="34" charset="0"/>
+              </a:rPr>
+              <a:t>i/j</a:t>
+            </a:r>
+            <a:endParaRPr lang="en-US" sz="1000" b="1" baseline="-25000" dirty="0">
+              <a:latin typeface="Arial" panose="020B0604020202020204" pitchFamily="34" charset="0"/>
+              <a:cs typeface="Arial" panose="020B0604020202020204" pitchFamily="34" charset="0"/>
+            </a:endParaRPr>
           </a:p>
         </p:txBody>
       </p:sp>
